--- a/midterm_presentation.pptx
+++ b/midterm_presentation.pptx
@@ -10,6 +10,13 @@
     <p:sldId id="258" r:id="rId4"/>
     <p:sldId id="259" r:id="rId5"/>
     <p:sldId id="260" r:id="rId6"/>
+    <p:sldId id="261" r:id="rId7"/>
+    <p:sldId id="262" r:id="rId8"/>
+    <p:sldId id="263" r:id="rId9"/>
+    <p:sldId id="264" r:id="rId10"/>
+    <p:sldId id="265" r:id="rId11"/>
+    <p:sldId id="266" r:id="rId12"/>
+    <p:sldId id="267" r:id="rId13"/>
   </p:sldIdLst>
   <p:sldSz cx="9144000" cy="6858000" type="screen4x3"/>
   <p:notesSz cx="6858000" cy="9144000"/>
@@ -299,7 +306,7 @@
           <a:p>
             <a:fld id="{C8A432C8-69A7-458B-9684-2BFA64B31948}" type="datetime2">
               <a:rPr lang="en-US" smtClean="0"/>
-              <a:t>Wednesday, March 25, 15</a:t>
+              <a:t>Thursday, March 26, 15</a:t>
             </a:fld>
             <a:endParaRPr lang="en-US"/>
           </a:p>
@@ -501,7 +508,7 @@
           <a:p>
             <a:fld id="{8CC057FC-95B6-4D89-AFDA-ABA33EE921E5}" type="datetime2">
               <a:rPr lang="en-US" smtClean="0"/>
-              <a:t>Wednesday, March 25, 15</a:t>
+              <a:t>Thursday, March 26, 15</a:t>
             </a:fld>
             <a:endParaRPr lang="en-US"/>
           </a:p>
@@ -678,7 +685,7 @@
           <a:p>
             <a:fld id="{EC4549AC-EB31-477F-92A9-B1988E232878}" type="datetime2">
               <a:rPr lang="en-US" smtClean="0"/>
-              <a:t>Wednesday, March 25, 15</a:t>
+              <a:t>Thursday, March 26, 15</a:t>
             </a:fld>
             <a:endParaRPr lang="en-US"/>
           </a:p>
@@ -845,7 +852,7 @@
           <a:p>
             <a:fld id="{6396A3A3-94A6-4E5B-AF39-173ACA3E61CC}" type="datetime2">
               <a:rPr lang="en-US" smtClean="0"/>
-              <a:t>Wednesday, March 25, 15</a:t>
+              <a:t>Thursday, March 26, 15</a:t>
             </a:fld>
             <a:endParaRPr lang="en-US"/>
           </a:p>
@@ -1095,7 +1102,7 @@
           <a:p>
             <a:fld id="{9933D019-A32C-4EAD-B8E6-DBDA699692FD}" type="datetime2">
               <a:rPr lang="en-US" smtClean="0"/>
-              <a:t>Wednesday, March 25, 15</a:t>
+              <a:t>Thursday, March 26, 15</a:t>
             </a:fld>
             <a:endParaRPr lang="en-US"/>
           </a:p>
@@ -1415,7 +1422,7 @@
           <a:p>
             <a:fld id="{CCEBA98F-560C-4997-81C4-81D4D9187EAB}" type="datetime2">
               <a:rPr lang="en-US" smtClean="0"/>
-              <a:t>Wednesday, March 25, 15</a:t>
+              <a:t>Thursday, March 26, 15</a:t>
             </a:fld>
             <a:endParaRPr lang="en-US"/>
           </a:p>
@@ -1883,7 +1890,7 @@
           <a:p>
             <a:fld id="{150972B2-CA5C-437D-87D0-8081271A9E4B}" type="datetime2">
               <a:rPr lang="en-US" smtClean="0"/>
-              <a:t>Wednesday, March 25, 15</a:t>
+              <a:t>Thursday, March 26, 15</a:t>
             </a:fld>
             <a:endParaRPr lang="en-US"/>
           </a:p>
@@ -2033,7 +2040,7 @@
           <a:p>
             <a:fld id="{79CD4847-11EF-4466-A8AD-85CDB7B49118}" type="datetime2">
               <a:rPr lang="en-US" smtClean="0"/>
-              <a:t>Wednesday, March 25, 15</a:t>
+              <a:t>Thursday, March 26, 15</a:t>
             </a:fld>
             <a:endParaRPr lang="en-US"/>
           </a:p>
@@ -2125,7 +2132,7 @@
           <a:p>
             <a:fld id="{F168457A-3AB9-4880-8A0C-9F8524491207}" type="datetime2">
               <a:rPr lang="en-US" smtClean="0"/>
-              <a:t>Wednesday, March 25, 15</a:t>
+              <a:t>Thursday, March 26, 15</a:t>
             </a:fld>
             <a:endParaRPr lang="en-US"/>
           </a:p>
@@ -2401,7 +2408,7 @@
           <a:p>
             <a:fld id="{3FE976D3-5B7F-4300-ABED-C91F1B2AE209}" type="datetime2">
               <a:rPr lang="en-US" smtClean="0"/>
-              <a:t>Wednesday, March 25, 15</a:t>
+              <a:t>Thursday, March 26, 15</a:t>
             </a:fld>
             <a:endParaRPr lang="en-US"/>
           </a:p>
@@ -2708,7 +2715,7 @@
           <a:p>
             <a:fld id="{EBDC1E59-17DD-41CE-97CA-624A472382D4}" type="datetime2">
               <a:rPr lang="en-US" smtClean="0"/>
-              <a:t>Wednesday, March 25, 15</a:t>
+              <a:t>Thursday, March 26, 15</a:t>
             </a:fld>
             <a:endParaRPr lang="en-US"/>
           </a:p>
@@ -3008,7 +3015,7 @@
           <a:p>
             <a:fld id="{A80CB818-7379-467D-8E76-EF9D9074A26C}" type="datetime2">
               <a:rPr lang="en-US" smtClean="0"/>
-              <a:t>Wednesday, March 25, 15</a:t>
+              <a:t>Thursday, March 26, 15</a:t>
             </a:fld>
             <a:endParaRPr lang="en-US" dirty="0"/>
           </a:p>
@@ -3557,6 +3564,399 @@
 </p:sld>
 </file>
 
+<file path=ppt/slides/slide10.xml><?xml version="1.0" encoding="utf-8"?>
+<p:sld xmlns:a="http://schemas.openxmlformats.org/drawingml/2006/main" xmlns:r="http://schemas.openxmlformats.org/officeDocument/2006/relationships" xmlns:p="http://schemas.openxmlformats.org/presentationml/2006/main">
+  <p:cSld>
+    <p:spTree>
+      <p:nvGrpSpPr>
+        <p:cNvPr id="1" name=""/>
+        <p:cNvGrpSpPr/>
+        <p:nvPr/>
+      </p:nvGrpSpPr>
+      <p:grpSpPr>
+        <a:xfrm>
+          <a:off x="0" y="0"/>
+          <a:ext cx="0" cy="0"/>
+          <a:chOff x="0" y="0"/>
+          <a:chExt cx="0" cy="0"/>
+        </a:xfrm>
+      </p:grpSpPr>
+      <p:sp>
+        <p:nvSpPr>
+          <p:cNvPr id="2" name="Title 1"/>
+          <p:cNvSpPr>
+            <a:spLocks noGrp="1"/>
+          </p:cNvSpPr>
+          <p:nvPr>
+            <p:ph type="title"/>
+          </p:nvPr>
+        </p:nvSpPr>
+        <p:spPr/>
+        <p:txBody>
+          <a:bodyPr/>
+          <a:lstStyle/>
+          <a:p>
+            <a:endParaRPr lang="en-US"/>
+          </a:p>
+        </p:txBody>
+      </p:sp>
+      <p:sp>
+        <p:nvSpPr>
+          <p:cNvPr id="3" name="Content Placeholder 2"/>
+          <p:cNvSpPr>
+            <a:spLocks noGrp="1"/>
+          </p:cNvSpPr>
+          <p:nvPr>
+            <p:ph idx="1"/>
+          </p:nvPr>
+        </p:nvSpPr>
+        <p:spPr/>
+        <p:txBody>
+          <a:bodyPr/>
+          <a:lstStyle/>
+          <a:p>
+            <a:endParaRPr lang="en-US"/>
+          </a:p>
+        </p:txBody>
+      </p:sp>
+    </p:spTree>
+    <p:extLst>
+      <p:ext uri="{BB962C8B-B14F-4D97-AF65-F5344CB8AC3E}">
+        <p14:creationId xmlns:p14="http://schemas.microsoft.com/office/powerpoint/2010/main" val="2002948052"/>
+      </p:ext>
+    </p:extLst>
+  </p:cSld>
+  <p:clrMapOvr>
+    <a:masterClrMapping/>
+  </p:clrMapOvr>
+  <p:timing>
+    <p:tnLst>
+      <p:par>
+        <p:cTn xmlns:p14="http://schemas.microsoft.com/office/powerpoint/2010/main" id="1" dur="indefinite" restart="never" nodeType="tmRoot"/>
+      </p:par>
+    </p:tnLst>
+  </p:timing>
+</p:sld>
+</file>
+
+<file path=ppt/slides/slide11.xml><?xml version="1.0" encoding="utf-8"?>
+<p:sld xmlns:a="http://schemas.openxmlformats.org/drawingml/2006/main" xmlns:r="http://schemas.openxmlformats.org/officeDocument/2006/relationships" xmlns:p="http://schemas.openxmlformats.org/presentationml/2006/main">
+  <p:cSld>
+    <p:spTree>
+      <p:nvGrpSpPr>
+        <p:cNvPr id="1" name=""/>
+        <p:cNvGrpSpPr/>
+        <p:nvPr/>
+      </p:nvGrpSpPr>
+      <p:grpSpPr>
+        <a:xfrm>
+          <a:off x="0" y="0"/>
+          <a:ext cx="0" cy="0"/>
+          <a:chOff x="0" y="0"/>
+          <a:chExt cx="0" cy="0"/>
+        </a:xfrm>
+      </p:grpSpPr>
+      <p:sp>
+        <p:nvSpPr>
+          <p:cNvPr id="2" name="Title 1"/>
+          <p:cNvSpPr>
+            <a:spLocks noGrp="1"/>
+          </p:cNvSpPr>
+          <p:nvPr>
+            <p:ph type="title"/>
+          </p:nvPr>
+        </p:nvSpPr>
+        <p:spPr>
+          <a:xfrm>
+            <a:off x="457200" y="3302609"/>
+            <a:ext cx="8229600" cy="990600"/>
+          </a:xfrm>
+        </p:spPr>
+        <p:txBody>
+          <a:bodyPr>
+            <a:normAutofit/>
+          </a:bodyPr>
+          <a:lstStyle/>
+          <a:p>
+            <a:pPr algn="ctr"/>
+            <a:r>
+              <a:rPr lang="en-US" sz="5400" b="1" spc="0" dirty="0" smtClean="0">
+                <a:ln w="10541" cmpd="sng">
+                  <a:solidFill>
+                    <a:schemeClr val="accent1">
+                      <a:shade val="88000"/>
+                      <a:satMod val="110000"/>
+                    </a:schemeClr>
+                  </a:solidFill>
+                  <a:prstDash val="solid"/>
+                </a:ln>
+                <a:gradFill>
+                  <a:gsLst>
+                    <a:gs pos="0">
+                      <a:schemeClr val="accent1">
+                        <a:tint val="40000"/>
+                        <a:satMod val="250000"/>
+                      </a:schemeClr>
+                    </a:gs>
+                    <a:gs pos="9000">
+                      <a:schemeClr val="accent1">
+                        <a:tint val="52000"/>
+                        <a:satMod val="300000"/>
+                      </a:schemeClr>
+                    </a:gs>
+                    <a:gs pos="50000">
+                      <a:schemeClr val="accent1">
+                        <a:shade val="20000"/>
+                        <a:satMod val="300000"/>
+                      </a:schemeClr>
+                    </a:gs>
+                    <a:gs pos="79000">
+                      <a:schemeClr val="accent1">
+                        <a:tint val="52000"/>
+                        <a:satMod val="300000"/>
+                      </a:schemeClr>
+                    </a:gs>
+                    <a:gs pos="100000">
+                      <a:schemeClr val="accent1">
+                        <a:tint val="40000"/>
+                        <a:satMod val="250000"/>
+                      </a:schemeClr>
+                    </a:gs>
+                  </a:gsLst>
+                  <a:lin ang="5400000"/>
+                </a:gradFill>
+              </a:rPr>
+              <a:t>Thank You</a:t>
+            </a:r>
+            <a:endParaRPr lang="en-US" sz="5400" b="1" spc="0" dirty="0">
+              <a:ln w="10541" cmpd="sng">
+                <a:solidFill>
+                  <a:schemeClr val="accent1">
+                    <a:shade val="88000"/>
+                    <a:satMod val="110000"/>
+                  </a:schemeClr>
+                </a:solidFill>
+                <a:prstDash val="solid"/>
+              </a:ln>
+              <a:gradFill>
+                <a:gsLst>
+                  <a:gs pos="0">
+                    <a:schemeClr val="accent1">
+                      <a:tint val="40000"/>
+                      <a:satMod val="250000"/>
+                    </a:schemeClr>
+                  </a:gs>
+                  <a:gs pos="9000">
+                    <a:schemeClr val="accent1">
+                      <a:tint val="52000"/>
+                      <a:satMod val="300000"/>
+                    </a:schemeClr>
+                  </a:gs>
+                  <a:gs pos="50000">
+                    <a:schemeClr val="accent1">
+                      <a:shade val="20000"/>
+                      <a:satMod val="300000"/>
+                    </a:schemeClr>
+                  </a:gs>
+                  <a:gs pos="79000">
+                    <a:schemeClr val="accent1">
+                      <a:tint val="52000"/>
+                      <a:satMod val="300000"/>
+                    </a:schemeClr>
+                  </a:gs>
+                  <a:gs pos="100000">
+                    <a:schemeClr val="accent1">
+                      <a:tint val="40000"/>
+                      <a:satMod val="250000"/>
+                    </a:schemeClr>
+                  </a:gs>
+                </a:gsLst>
+                <a:lin ang="5400000"/>
+              </a:gradFill>
+            </a:endParaRPr>
+          </a:p>
+        </p:txBody>
+      </p:sp>
+    </p:spTree>
+    <p:extLst>
+      <p:ext uri="{BB962C8B-B14F-4D97-AF65-F5344CB8AC3E}">
+        <p14:creationId xmlns:p14="http://schemas.microsoft.com/office/powerpoint/2010/main" val="3300258447"/>
+      </p:ext>
+    </p:extLst>
+  </p:cSld>
+  <p:clrMapOvr>
+    <a:masterClrMapping/>
+  </p:clrMapOvr>
+  <p:timing>
+    <p:tnLst>
+      <p:par>
+        <p:cTn xmlns:p14="http://schemas.microsoft.com/office/powerpoint/2010/main" id="1" dur="indefinite" restart="never" nodeType="tmRoot"/>
+      </p:par>
+    </p:tnLst>
+  </p:timing>
+</p:sld>
+</file>
+
+<file path=ppt/slides/slide12.xml><?xml version="1.0" encoding="utf-8"?>
+<p:sld xmlns:a="http://schemas.openxmlformats.org/drawingml/2006/main" xmlns:r="http://schemas.openxmlformats.org/officeDocument/2006/relationships" xmlns:p="http://schemas.openxmlformats.org/presentationml/2006/main">
+  <p:cSld>
+    <p:spTree>
+      <p:nvGrpSpPr>
+        <p:cNvPr id="1" name=""/>
+        <p:cNvGrpSpPr/>
+        <p:nvPr/>
+      </p:nvGrpSpPr>
+      <p:grpSpPr>
+        <a:xfrm>
+          <a:off x="0" y="0"/>
+          <a:ext cx="0" cy="0"/>
+          <a:chOff x="0" y="0"/>
+          <a:chExt cx="0" cy="0"/>
+        </a:xfrm>
+      </p:grpSpPr>
+      <p:sp>
+        <p:nvSpPr>
+          <p:cNvPr id="2" name="Title 1"/>
+          <p:cNvSpPr>
+            <a:spLocks noGrp="1"/>
+          </p:cNvSpPr>
+          <p:nvPr>
+            <p:ph type="title"/>
+          </p:nvPr>
+        </p:nvSpPr>
+        <p:spPr>
+          <a:xfrm>
+            <a:off x="457200" y="3272011"/>
+            <a:ext cx="8229600" cy="990600"/>
+          </a:xfrm>
+        </p:spPr>
+        <p:txBody>
+          <a:bodyPr>
+            <a:normAutofit/>
+          </a:bodyPr>
+          <a:lstStyle/>
+          <a:p>
+            <a:pPr algn="ctr"/>
+            <a:r>
+              <a:rPr lang="en-US" sz="5400" b="1" spc="0" dirty="0" smtClean="0">
+                <a:ln w="10541" cmpd="sng">
+                  <a:solidFill>
+                    <a:srgbClr val="7D7D7D">
+                      <a:tint val="100000"/>
+                      <a:shade val="100000"/>
+                      <a:satMod val="110000"/>
+                    </a:srgbClr>
+                  </a:solidFill>
+                  <a:prstDash val="solid"/>
+                </a:ln>
+                <a:gradFill>
+                  <a:gsLst>
+                    <a:gs pos="0">
+                      <a:srgbClr val="FFFFFF">
+                        <a:tint val="40000"/>
+                        <a:satMod val="250000"/>
+                      </a:srgbClr>
+                    </a:gs>
+                    <a:gs pos="9000">
+                      <a:srgbClr val="FFFFFF">
+                        <a:tint val="52000"/>
+                        <a:satMod val="300000"/>
+                      </a:srgbClr>
+                    </a:gs>
+                    <a:gs pos="50000">
+                      <a:srgbClr val="FFFFFF">
+                        <a:shade val="20000"/>
+                        <a:satMod val="300000"/>
+                      </a:srgbClr>
+                    </a:gs>
+                    <a:gs pos="79000">
+                      <a:srgbClr val="FFFFFF">
+                        <a:tint val="52000"/>
+                        <a:satMod val="300000"/>
+                      </a:srgbClr>
+                    </a:gs>
+                    <a:gs pos="100000">
+                      <a:srgbClr val="FFFFFF">
+                        <a:tint val="40000"/>
+                        <a:satMod val="250000"/>
+                      </a:srgbClr>
+                    </a:gs>
+                  </a:gsLst>
+                  <a:lin ang="5400000"/>
+                </a:gradFill>
+              </a:rPr>
+              <a:t>Questions?</a:t>
+            </a:r>
+            <a:endParaRPr lang="en-US" sz="5400" b="1" spc="0" dirty="0">
+              <a:ln w="10541" cmpd="sng">
+                <a:solidFill>
+                  <a:srgbClr val="7D7D7D">
+                    <a:tint val="100000"/>
+                    <a:shade val="100000"/>
+                    <a:satMod val="110000"/>
+                  </a:srgbClr>
+                </a:solidFill>
+                <a:prstDash val="solid"/>
+              </a:ln>
+              <a:gradFill>
+                <a:gsLst>
+                  <a:gs pos="0">
+                    <a:srgbClr val="FFFFFF">
+                      <a:tint val="40000"/>
+                      <a:satMod val="250000"/>
+                    </a:srgbClr>
+                  </a:gs>
+                  <a:gs pos="9000">
+                    <a:srgbClr val="FFFFFF">
+                      <a:tint val="52000"/>
+                      <a:satMod val="300000"/>
+                    </a:srgbClr>
+                  </a:gs>
+                  <a:gs pos="50000">
+                    <a:srgbClr val="FFFFFF">
+                      <a:shade val="20000"/>
+                      <a:satMod val="300000"/>
+                    </a:srgbClr>
+                  </a:gs>
+                  <a:gs pos="79000">
+                    <a:srgbClr val="FFFFFF">
+                      <a:tint val="52000"/>
+                      <a:satMod val="300000"/>
+                    </a:srgbClr>
+                  </a:gs>
+                  <a:gs pos="100000">
+                    <a:srgbClr val="FFFFFF">
+                      <a:tint val="40000"/>
+                      <a:satMod val="250000"/>
+                    </a:srgbClr>
+                  </a:gs>
+                </a:gsLst>
+                <a:lin ang="5400000"/>
+              </a:gradFill>
+            </a:endParaRPr>
+          </a:p>
+        </p:txBody>
+      </p:sp>
+    </p:spTree>
+    <p:extLst>
+      <p:ext uri="{BB962C8B-B14F-4D97-AF65-F5344CB8AC3E}">
+        <p14:creationId xmlns:p14="http://schemas.microsoft.com/office/powerpoint/2010/main" val="2377463334"/>
+      </p:ext>
+    </p:extLst>
+  </p:cSld>
+  <p:clrMapOvr>
+    <a:masterClrMapping/>
+  </p:clrMapOvr>
+  <p:timing>
+    <p:tnLst>
+      <p:par>
+        <p:cTn xmlns:p14="http://schemas.microsoft.com/office/powerpoint/2010/main" id="1" dur="indefinite" restart="never" nodeType="tmRoot"/>
+      </p:par>
+    </p:tnLst>
+  </p:timing>
+</p:sld>
+</file>
+
 <file path=ppt/slides/slide2.xml><?xml version="1.0" encoding="utf-8"?>
 <p:sld xmlns:a="http://schemas.openxmlformats.org/drawingml/2006/main" xmlns:r="http://schemas.openxmlformats.org/officeDocument/2006/relationships" xmlns:p="http://schemas.openxmlformats.org/presentationml/2006/main">
   <p:cSld>
@@ -3615,8 +4015,8 @@
           <a:lstStyle/>
           <a:p>
             <a:r>
-              <a:rPr lang="en-US" sz="3600" b="1" dirty="0" smtClean="0"/>
-              <a:t>Application to compare Movies </a:t>
+              <a:rPr lang="en-US" sz="3600" dirty="0" smtClean="0"/>
+              <a:t>Application to compare Movies’ opinion against IMDB rating </a:t>
             </a:r>
           </a:p>
           <a:p>
@@ -3626,34 +4026,35 @@
               </a:lnSpc>
             </a:pPr>
             <a:r>
-              <a:rPr lang="en-US" sz="3600" b="1" dirty="0" smtClean="0"/>
+              <a:rPr lang="en-US" sz="3600" dirty="0" smtClean="0"/>
               <a:t>Input to the system – two movie names</a:t>
             </a:r>
           </a:p>
           <a:p>
             <a:r>
-              <a:rPr lang="en-US" sz="3600" b="1" dirty="0" err="1" smtClean="0"/>
-              <a:t>MovieBuzz</a:t>
-            </a:r>
-            <a:r>
-              <a:rPr lang="en-US" sz="3600" b="1" dirty="0" smtClean="0"/>
-              <a:t> fetches data from IMDB for the two movies </a:t>
-            </a:r>
-          </a:p>
-          <a:p>
-            <a:r>
-              <a:rPr lang="en-US" sz="3600" b="1" dirty="0" smtClean="0"/>
+              <a:rPr lang="en-US" sz="3600" dirty="0" smtClean="0"/>
+              <a:t>Fetch data from IMDB for the two movies </a:t>
+            </a:r>
+          </a:p>
+          <a:p>
+            <a:r>
+              <a:rPr lang="en-US" sz="3600" dirty="0" smtClean="0"/>
               <a:t>Collects tweets from twitter for the movies</a:t>
             </a:r>
           </a:p>
           <a:p>
             <a:r>
-              <a:rPr lang="en-US" sz="3600" b="1" dirty="0" smtClean="0"/>
-              <a:t>Classifies the tweets as positive, negative or neutral</a:t>
-            </a:r>
-          </a:p>
-          <a:p>
-            <a:endParaRPr lang="en-US" sz="3200" b="1" dirty="0"/>
+              <a:rPr lang="en-US" sz="3600" dirty="0" smtClean="0"/>
+              <a:t>Classifies the tweets as positive</a:t>
+            </a:r>
+            <a:r>
+              <a:rPr lang="en-US" sz="3600" dirty="0"/>
+              <a:t> </a:t>
+            </a:r>
+            <a:r>
+              <a:rPr lang="en-US" sz="3600" dirty="0" smtClean="0"/>
+              <a:t>or  negative</a:t>
+            </a:r>
           </a:p>
         </p:txBody>
       </p:sp>
@@ -4050,7 +4451,7 @@
           <a:p>
             <a:r>
               <a:rPr lang="en-US" sz="3600" b="1" dirty="0" smtClean="0"/>
-              <a:t>Python NLTK – for tokenization, classification and semantic reasoning</a:t>
+              <a:t>Python NLTK – for tokenization, classification, corpus data</a:t>
             </a:r>
           </a:p>
         </p:txBody>
@@ -5815,7 +6216,11 @@
           <a:bodyPr/>
           <a:lstStyle/>
           <a:p>
-            <a:endParaRPr lang="en-US"/>
+            <a:r>
+              <a:rPr lang="en-US" sz="4800" dirty="0" smtClean="0"/>
+              <a:t>Classification</a:t>
+            </a:r>
+            <a:endParaRPr lang="en-US" sz="4800" dirty="0"/>
           </a:p>
         </p:txBody>
       </p:sp>
@@ -5831,10 +6236,137 @@
         </p:nvSpPr>
         <p:spPr/>
         <p:txBody>
-          <a:bodyPr/>
-          <a:lstStyle/>
-          <a:p>
-            <a:endParaRPr lang="en-US"/>
+          <a:bodyPr>
+            <a:noAutofit/>
+          </a:bodyPr>
+          <a:lstStyle/>
+          <a:p>
+            <a:pPr>
+              <a:lnSpc>
+                <a:spcPct val="150000"/>
+              </a:lnSpc>
+            </a:pPr>
+            <a:r>
+              <a:rPr lang="en-US" b="1" dirty="0" smtClean="0"/>
+              <a:t>NLTK Movie Review Corpus</a:t>
+            </a:r>
+          </a:p>
+          <a:p>
+            <a:pPr lvl="1">
+              <a:lnSpc>
+                <a:spcPct val="150000"/>
+              </a:lnSpc>
+            </a:pPr>
+            <a:r>
+              <a:rPr lang="en-US" sz="2400" b="1" dirty="0" smtClean="0"/>
+              <a:t>Contains reviews classified into </a:t>
+            </a:r>
+            <a:r>
+              <a:rPr lang="en-US" sz="2400" b="1" dirty="0" smtClean="0">
+                <a:solidFill>
+                  <a:srgbClr val="FF00FF"/>
+                </a:solidFill>
+              </a:rPr>
+              <a:t>positive</a:t>
+            </a:r>
+            <a:r>
+              <a:rPr lang="en-US" sz="2400" b="1" dirty="0" smtClean="0"/>
+              <a:t> and </a:t>
+            </a:r>
+            <a:r>
+              <a:rPr lang="en-US" sz="2400" b="1" dirty="0" smtClean="0">
+                <a:solidFill>
+                  <a:srgbClr val="FF00FF"/>
+                </a:solidFill>
+              </a:rPr>
+              <a:t>negative</a:t>
+            </a:r>
+            <a:r>
+              <a:rPr lang="en-US" sz="2400" b="1" dirty="0" smtClean="0"/>
+              <a:t> categories</a:t>
+            </a:r>
+          </a:p>
+          <a:p>
+            <a:pPr lvl="1">
+              <a:lnSpc>
+                <a:spcPct val="150000"/>
+              </a:lnSpc>
+            </a:pPr>
+            <a:r>
+              <a:rPr lang="en-US" sz="2400" b="1" dirty="0" smtClean="0"/>
+              <a:t>Contains </a:t>
+            </a:r>
+            <a:r>
+              <a:rPr lang="en-US" sz="2400" b="1" dirty="0" smtClean="0">
+                <a:solidFill>
+                  <a:srgbClr val="FF00FF"/>
+                </a:solidFill>
+              </a:rPr>
+              <a:t>1000 positive file </a:t>
+            </a:r>
+            <a:r>
+              <a:rPr lang="en-US" sz="2400" b="1" dirty="0" smtClean="0"/>
+              <a:t>and </a:t>
+            </a:r>
+            <a:r>
+              <a:rPr lang="en-US" sz="2400" b="1" dirty="0" smtClean="0">
+                <a:solidFill>
+                  <a:srgbClr val="FF00FF"/>
+                </a:solidFill>
+              </a:rPr>
+              <a:t>1000 negative files</a:t>
+            </a:r>
+            <a:endParaRPr lang="en-US" b="1" dirty="0" smtClean="0">
+              <a:solidFill>
+                <a:srgbClr val="FF00FF"/>
+              </a:solidFill>
+            </a:endParaRPr>
+          </a:p>
+          <a:p>
+            <a:pPr>
+              <a:lnSpc>
+                <a:spcPct val="150000"/>
+              </a:lnSpc>
+            </a:pPr>
+            <a:r>
+              <a:rPr lang="en-US" b="1" dirty="0" smtClean="0"/>
+              <a:t>NLTK Contains a number of trainable classifiers</a:t>
+            </a:r>
+          </a:p>
+          <a:p>
+            <a:pPr>
+              <a:lnSpc>
+                <a:spcPct val="150000"/>
+              </a:lnSpc>
+            </a:pPr>
+            <a:r>
+              <a:rPr lang="en-US" b="1" dirty="0" smtClean="0"/>
+              <a:t>NLTK metrics module provides functions to calculate Accuracy, Precision &amp; Recall – use them in the evaluation of the classifier</a:t>
+            </a:r>
+          </a:p>
+          <a:p>
+            <a:pPr>
+              <a:lnSpc>
+                <a:spcPct val="150000"/>
+              </a:lnSpc>
+            </a:pPr>
+            <a:endParaRPr lang="en-US" b="1" dirty="0" smtClean="0"/>
+          </a:p>
+          <a:p>
+            <a:pPr>
+              <a:lnSpc>
+                <a:spcPct val="150000"/>
+              </a:lnSpc>
+            </a:pPr>
+            <a:endParaRPr lang="en-US" b="1" dirty="0" smtClean="0"/>
+          </a:p>
+          <a:p>
+            <a:pPr>
+              <a:lnSpc>
+                <a:spcPct val="150000"/>
+              </a:lnSpc>
+            </a:pPr>
+            <a:endParaRPr lang="en-US" b="1" dirty="0" smtClean="0"/>
           </a:p>
         </p:txBody>
       </p:sp>
@@ -5855,6 +6387,356 @@
       </p:par>
     </p:tnLst>
   </p:timing>
+</p:sld>
+</file>
+
+<file path=ppt/slides/slide6.xml><?xml version="1.0" encoding="utf-8"?>
+<p:sld xmlns:a="http://schemas.openxmlformats.org/drawingml/2006/main" xmlns:r="http://schemas.openxmlformats.org/officeDocument/2006/relationships" xmlns:p="http://schemas.openxmlformats.org/presentationml/2006/main">
+  <p:cSld>
+    <p:spTree>
+      <p:nvGrpSpPr>
+        <p:cNvPr id="1" name=""/>
+        <p:cNvGrpSpPr/>
+        <p:nvPr/>
+      </p:nvGrpSpPr>
+      <p:grpSpPr>
+        <a:xfrm>
+          <a:off x="0" y="0"/>
+          <a:ext cx="0" cy="0"/>
+          <a:chOff x="0" y="0"/>
+          <a:chExt cx="0" cy="0"/>
+        </a:xfrm>
+      </p:grpSpPr>
+      <p:sp>
+        <p:nvSpPr>
+          <p:cNvPr id="2" name="Title 1"/>
+          <p:cNvSpPr>
+            <a:spLocks noGrp="1"/>
+          </p:cNvSpPr>
+          <p:nvPr>
+            <p:ph type="title"/>
+          </p:nvPr>
+        </p:nvSpPr>
+        <p:spPr/>
+        <p:txBody>
+          <a:bodyPr/>
+          <a:lstStyle/>
+          <a:p>
+            <a:r>
+              <a:rPr lang="en-US" dirty="0" smtClean="0"/>
+              <a:t>Visualization</a:t>
+            </a:r>
+            <a:endParaRPr lang="en-US" dirty="0"/>
+          </a:p>
+        </p:txBody>
+      </p:sp>
+      <p:sp>
+        <p:nvSpPr>
+          <p:cNvPr id="3" name="Content Placeholder 2"/>
+          <p:cNvSpPr>
+            <a:spLocks noGrp="1"/>
+          </p:cNvSpPr>
+          <p:nvPr>
+            <p:ph idx="1"/>
+          </p:nvPr>
+        </p:nvSpPr>
+        <p:spPr/>
+        <p:txBody>
+          <a:bodyPr/>
+          <a:lstStyle/>
+          <a:p>
+            <a:r>
+              <a:rPr lang="en-US" dirty="0" smtClean="0"/>
+              <a:t>Multiple visualizations will be created </a:t>
+            </a:r>
+            <a:r>
+              <a:rPr lang="en-US" dirty="0"/>
+              <a:t> </a:t>
+            </a:r>
+            <a:r>
+              <a:rPr lang="en-US" dirty="0" smtClean="0"/>
+              <a:t>with D3JS</a:t>
+            </a:r>
+          </a:p>
+          <a:p>
+            <a:endParaRPr lang="en-US" dirty="0" smtClean="0"/>
+          </a:p>
+          <a:p>
+            <a:r>
+              <a:rPr lang="en-US" dirty="0" smtClean="0"/>
+              <a:t>Visualizations will compare both the movies based on their IMDB rating and twitter </a:t>
+            </a:r>
+            <a:r>
+              <a:rPr lang="en-US" dirty="0" smtClean="0"/>
+              <a:t>opinion</a:t>
+            </a:r>
+          </a:p>
+          <a:p>
+            <a:r>
+              <a:rPr lang="en-US" dirty="0" smtClean="0"/>
+              <a:t>IMDB rating</a:t>
+            </a:r>
+          </a:p>
+          <a:p>
+            <a:r>
+              <a:rPr lang="en-US" dirty="0" smtClean="0"/>
+              <a:t>Runtime</a:t>
+            </a:r>
+          </a:p>
+          <a:p>
+            <a:r>
+              <a:rPr lang="en-US" dirty="0" smtClean="0"/>
+              <a:t>No of Positive and Negative tweets</a:t>
+            </a:r>
+          </a:p>
+          <a:p>
+            <a:r>
+              <a:rPr lang="en-US" dirty="0" smtClean="0"/>
+              <a:t>Same actor – low rating movie and high rating movie</a:t>
+            </a:r>
+          </a:p>
+          <a:p>
+            <a:endParaRPr lang="en-US" dirty="0" smtClean="0"/>
+          </a:p>
+          <a:p>
+            <a:endParaRPr lang="en-US" dirty="0"/>
+          </a:p>
+          <a:p>
+            <a:endParaRPr lang="en-US" dirty="0" smtClean="0"/>
+          </a:p>
+          <a:p>
+            <a:endParaRPr lang="en-US" dirty="0"/>
+          </a:p>
+        </p:txBody>
+      </p:sp>
+    </p:spTree>
+    <p:extLst>
+      <p:ext uri="{BB962C8B-B14F-4D97-AF65-F5344CB8AC3E}">
+        <p14:creationId xmlns:p14="http://schemas.microsoft.com/office/powerpoint/2010/main" val="1146841522"/>
+      </p:ext>
+    </p:extLst>
+  </p:cSld>
+  <p:clrMapOvr>
+    <a:masterClrMapping/>
+  </p:clrMapOvr>
+  <p:timing>
+    <p:tnLst>
+      <p:par>
+        <p:cTn xmlns:p14="http://schemas.microsoft.com/office/powerpoint/2010/main" id="1" dur="indefinite" restart="never" nodeType="tmRoot"/>
+      </p:par>
+    </p:tnLst>
+  </p:timing>
+</p:sld>
+</file>
+
+<file path=ppt/slides/slide7.xml><?xml version="1.0" encoding="utf-8"?>
+<p:sld xmlns:a="http://schemas.openxmlformats.org/drawingml/2006/main" xmlns:r="http://schemas.openxmlformats.org/officeDocument/2006/relationships" xmlns:p="http://schemas.openxmlformats.org/presentationml/2006/main">
+  <p:cSld>
+    <p:spTree>
+      <p:nvGrpSpPr>
+        <p:cNvPr id="1" name=""/>
+        <p:cNvGrpSpPr/>
+        <p:nvPr/>
+      </p:nvGrpSpPr>
+      <p:grpSpPr>
+        <a:xfrm>
+          <a:off x="0" y="0"/>
+          <a:ext cx="0" cy="0"/>
+          <a:chOff x="0" y="0"/>
+          <a:chExt cx="0" cy="0"/>
+        </a:xfrm>
+      </p:grpSpPr>
+      <p:sp>
+        <p:nvSpPr>
+          <p:cNvPr id="2" name="Title 1"/>
+          <p:cNvSpPr>
+            <a:spLocks noGrp="1"/>
+          </p:cNvSpPr>
+          <p:nvPr>
+            <p:ph type="title"/>
+          </p:nvPr>
+        </p:nvSpPr>
+        <p:spPr/>
+        <p:txBody>
+          <a:bodyPr/>
+          <a:lstStyle/>
+          <a:p>
+            <a:endParaRPr lang="en-US"/>
+          </a:p>
+        </p:txBody>
+      </p:sp>
+      <p:sp>
+        <p:nvSpPr>
+          <p:cNvPr id="3" name="Content Placeholder 2"/>
+          <p:cNvSpPr>
+            <a:spLocks noGrp="1"/>
+          </p:cNvSpPr>
+          <p:nvPr>
+            <p:ph idx="1"/>
+          </p:nvPr>
+        </p:nvSpPr>
+        <p:spPr/>
+        <p:txBody>
+          <a:bodyPr/>
+          <a:lstStyle/>
+          <a:p>
+            <a:endParaRPr lang="en-US"/>
+          </a:p>
+        </p:txBody>
+      </p:sp>
+    </p:spTree>
+    <p:extLst>
+      <p:ext uri="{BB962C8B-B14F-4D97-AF65-F5344CB8AC3E}">
+        <p14:creationId xmlns:p14="http://schemas.microsoft.com/office/powerpoint/2010/main" val="2806223286"/>
+      </p:ext>
+    </p:extLst>
+  </p:cSld>
+  <p:clrMapOvr>
+    <a:masterClrMapping/>
+  </p:clrMapOvr>
+  <p:timing>
+    <p:tnLst>
+      <p:par>
+        <p:cTn xmlns:p14="http://schemas.microsoft.com/office/powerpoint/2010/main" id="1" dur="indefinite" restart="never" nodeType="tmRoot"/>
+      </p:par>
+    </p:tnLst>
+  </p:timing>
+</p:sld>
+</file>
+
+<file path=ppt/slides/slide8.xml><?xml version="1.0" encoding="utf-8"?>
+<p:sld xmlns:a="http://schemas.openxmlformats.org/drawingml/2006/main" xmlns:r="http://schemas.openxmlformats.org/officeDocument/2006/relationships" xmlns:p="http://schemas.openxmlformats.org/presentationml/2006/main">
+  <p:cSld>
+    <p:spTree>
+      <p:nvGrpSpPr>
+        <p:cNvPr id="1" name=""/>
+        <p:cNvGrpSpPr/>
+        <p:nvPr/>
+      </p:nvGrpSpPr>
+      <p:grpSpPr>
+        <a:xfrm>
+          <a:off x="0" y="0"/>
+          <a:ext cx="0" cy="0"/>
+          <a:chOff x="0" y="0"/>
+          <a:chExt cx="0" cy="0"/>
+        </a:xfrm>
+      </p:grpSpPr>
+      <p:sp>
+        <p:nvSpPr>
+          <p:cNvPr id="2" name="Title 1"/>
+          <p:cNvSpPr>
+            <a:spLocks noGrp="1"/>
+          </p:cNvSpPr>
+          <p:nvPr>
+            <p:ph type="title"/>
+          </p:nvPr>
+        </p:nvSpPr>
+        <p:spPr/>
+        <p:txBody>
+          <a:bodyPr/>
+          <a:lstStyle/>
+          <a:p>
+            <a:endParaRPr lang="en-US"/>
+          </a:p>
+        </p:txBody>
+      </p:sp>
+      <p:sp>
+        <p:nvSpPr>
+          <p:cNvPr id="3" name="Content Placeholder 2"/>
+          <p:cNvSpPr>
+            <a:spLocks noGrp="1"/>
+          </p:cNvSpPr>
+          <p:nvPr>
+            <p:ph idx="1"/>
+          </p:nvPr>
+        </p:nvSpPr>
+        <p:spPr/>
+        <p:txBody>
+          <a:bodyPr/>
+          <a:lstStyle/>
+          <a:p>
+            <a:endParaRPr lang="en-US"/>
+          </a:p>
+        </p:txBody>
+      </p:sp>
+    </p:spTree>
+    <p:extLst>
+      <p:ext uri="{BB962C8B-B14F-4D97-AF65-F5344CB8AC3E}">
+        <p14:creationId xmlns:p14="http://schemas.microsoft.com/office/powerpoint/2010/main" val="531623694"/>
+      </p:ext>
+    </p:extLst>
+  </p:cSld>
+  <p:clrMapOvr>
+    <a:masterClrMapping/>
+  </p:clrMapOvr>
+</p:sld>
+</file>
+
+<file path=ppt/slides/slide9.xml><?xml version="1.0" encoding="utf-8"?>
+<p:sld xmlns:a="http://schemas.openxmlformats.org/drawingml/2006/main" xmlns:r="http://schemas.openxmlformats.org/officeDocument/2006/relationships" xmlns:p="http://schemas.openxmlformats.org/presentationml/2006/main">
+  <p:cSld>
+    <p:spTree>
+      <p:nvGrpSpPr>
+        <p:cNvPr id="1" name=""/>
+        <p:cNvGrpSpPr/>
+        <p:nvPr/>
+      </p:nvGrpSpPr>
+      <p:grpSpPr>
+        <a:xfrm>
+          <a:off x="0" y="0"/>
+          <a:ext cx="0" cy="0"/>
+          <a:chOff x="0" y="0"/>
+          <a:chExt cx="0" cy="0"/>
+        </a:xfrm>
+      </p:grpSpPr>
+      <p:sp>
+        <p:nvSpPr>
+          <p:cNvPr id="2" name="Title 1"/>
+          <p:cNvSpPr>
+            <a:spLocks noGrp="1"/>
+          </p:cNvSpPr>
+          <p:nvPr>
+            <p:ph type="title"/>
+          </p:nvPr>
+        </p:nvSpPr>
+        <p:spPr/>
+        <p:txBody>
+          <a:bodyPr/>
+          <a:lstStyle/>
+          <a:p>
+            <a:endParaRPr lang="en-US"/>
+          </a:p>
+        </p:txBody>
+      </p:sp>
+      <p:sp>
+        <p:nvSpPr>
+          <p:cNvPr id="3" name="Content Placeholder 2"/>
+          <p:cNvSpPr>
+            <a:spLocks noGrp="1"/>
+          </p:cNvSpPr>
+          <p:nvPr>
+            <p:ph idx="1"/>
+          </p:nvPr>
+        </p:nvSpPr>
+        <p:spPr/>
+        <p:txBody>
+          <a:bodyPr/>
+          <a:lstStyle/>
+          <a:p>
+            <a:endParaRPr lang="en-US"/>
+          </a:p>
+        </p:txBody>
+      </p:sp>
+    </p:spTree>
+    <p:extLst>
+      <p:ext uri="{BB962C8B-B14F-4D97-AF65-F5344CB8AC3E}">
+        <p14:creationId xmlns:p14="http://schemas.microsoft.com/office/powerpoint/2010/main" val="795033042"/>
+      </p:ext>
+    </p:extLst>
+  </p:cSld>
+  <p:clrMapOvr>
+    <a:masterClrMapping/>
+  </p:clrMapOvr>
 </p:sld>
 </file>
 

--- a/midterm_presentation.pptx
+++ b/midterm_presentation.pptx
@@ -11,12 +11,10 @@
     <p:sldId id="259" r:id="rId5"/>
     <p:sldId id="260" r:id="rId6"/>
     <p:sldId id="261" r:id="rId7"/>
-    <p:sldId id="262" r:id="rId8"/>
-    <p:sldId id="263" r:id="rId9"/>
-    <p:sldId id="264" r:id="rId10"/>
-    <p:sldId id="265" r:id="rId11"/>
-    <p:sldId id="266" r:id="rId12"/>
-    <p:sldId id="267" r:id="rId13"/>
+    <p:sldId id="268" r:id="rId8"/>
+    <p:sldId id="262" r:id="rId9"/>
+    <p:sldId id="266" r:id="rId10"/>
+    <p:sldId id="267" r:id="rId11"/>
   </p:sldIdLst>
   <p:sldSz cx="9144000" cy="6858000" type="screen4x3"/>
   <p:notesSz cx="6858000" cy="9144000"/>
@@ -3591,84 +3589,9 @@
             <p:ph type="title"/>
           </p:nvPr>
         </p:nvSpPr>
-        <p:spPr/>
-        <p:txBody>
-          <a:bodyPr/>
-          <a:lstStyle/>
-          <a:p>
-            <a:endParaRPr lang="en-US"/>
-          </a:p>
-        </p:txBody>
-      </p:sp>
-      <p:sp>
-        <p:nvSpPr>
-          <p:cNvPr id="3" name="Content Placeholder 2"/>
-          <p:cNvSpPr>
-            <a:spLocks noGrp="1"/>
-          </p:cNvSpPr>
-          <p:nvPr>
-            <p:ph idx="1"/>
-          </p:nvPr>
-        </p:nvSpPr>
-        <p:spPr/>
-        <p:txBody>
-          <a:bodyPr/>
-          <a:lstStyle/>
-          <a:p>
-            <a:endParaRPr lang="en-US"/>
-          </a:p>
-        </p:txBody>
-      </p:sp>
-    </p:spTree>
-    <p:extLst>
-      <p:ext uri="{BB962C8B-B14F-4D97-AF65-F5344CB8AC3E}">
-        <p14:creationId xmlns:p14="http://schemas.microsoft.com/office/powerpoint/2010/main" val="2002948052"/>
-      </p:ext>
-    </p:extLst>
-  </p:cSld>
-  <p:clrMapOvr>
-    <a:masterClrMapping/>
-  </p:clrMapOvr>
-  <p:timing>
-    <p:tnLst>
-      <p:par>
-        <p:cTn xmlns:p14="http://schemas.microsoft.com/office/powerpoint/2010/main" id="1" dur="indefinite" restart="never" nodeType="tmRoot"/>
-      </p:par>
-    </p:tnLst>
-  </p:timing>
-</p:sld>
-</file>
-
-<file path=ppt/slides/slide11.xml><?xml version="1.0" encoding="utf-8"?>
-<p:sld xmlns:a="http://schemas.openxmlformats.org/drawingml/2006/main" xmlns:r="http://schemas.openxmlformats.org/officeDocument/2006/relationships" xmlns:p="http://schemas.openxmlformats.org/presentationml/2006/main">
-  <p:cSld>
-    <p:spTree>
-      <p:nvGrpSpPr>
-        <p:cNvPr id="1" name=""/>
-        <p:cNvGrpSpPr/>
-        <p:nvPr/>
-      </p:nvGrpSpPr>
-      <p:grpSpPr>
-        <a:xfrm>
-          <a:off x="0" y="0"/>
-          <a:ext cx="0" cy="0"/>
-          <a:chOff x="0" y="0"/>
-          <a:chExt cx="0" cy="0"/>
-        </a:xfrm>
-      </p:grpSpPr>
-      <p:sp>
-        <p:nvSpPr>
-          <p:cNvPr id="2" name="Title 1"/>
-          <p:cNvSpPr>
-            <a:spLocks noGrp="1"/>
-          </p:cNvSpPr>
-          <p:nvPr>
-            <p:ph type="title"/>
-          </p:nvPr>
-        </p:nvSpPr>
         <p:spPr>
           <a:xfrm>
-            <a:off x="457200" y="3302609"/>
+            <a:off x="457200" y="2874237"/>
             <a:ext cx="8229600" cy="990600"/>
           </a:xfrm>
         </p:spPr>
@@ -3681,258 +3604,74 @@
             <a:pPr algn="ctr"/>
             <a:r>
               <a:rPr lang="en-US" sz="5400" b="1" spc="0" dirty="0" smtClean="0">
-                <a:ln w="10541" cmpd="sng">
-                  <a:solidFill>
-                    <a:schemeClr val="accent1">
-                      <a:shade val="88000"/>
-                      <a:satMod val="110000"/>
-                    </a:schemeClr>
-                  </a:solidFill>
-                  <a:prstDash val="solid"/>
-                </a:ln>
+                <a:ln w="1905"/>
                 <a:gradFill>
                   <a:gsLst>
                     <a:gs pos="0">
-                      <a:schemeClr val="accent1">
-                        <a:tint val="40000"/>
-                        <a:satMod val="250000"/>
+                      <a:schemeClr val="accent6">
+                        <a:shade val="20000"/>
+                        <a:satMod val="200000"/>
                       </a:schemeClr>
                     </a:gs>
-                    <a:gs pos="9000">
-                      <a:schemeClr val="accent1">
-                        <a:tint val="52000"/>
-                        <a:satMod val="300000"/>
-                      </a:schemeClr>
-                    </a:gs>
-                    <a:gs pos="50000">
-                      <a:schemeClr val="accent1">
-                        <a:shade val="20000"/>
-                        <a:satMod val="300000"/>
-                      </a:schemeClr>
-                    </a:gs>
-                    <a:gs pos="79000">
-                      <a:schemeClr val="accent1">
-                        <a:tint val="52000"/>
-                        <a:satMod val="300000"/>
+                    <a:gs pos="78000">
+                      <a:schemeClr val="accent6">
+                        <a:tint val="90000"/>
+                        <a:shade val="89000"/>
+                        <a:satMod val="220000"/>
                       </a:schemeClr>
                     </a:gs>
                     <a:gs pos="100000">
-                      <a:schemeClr val="accent1">
-                        <a:tint val="40000"/>
-                        <a:satMod val="250000"/>
+                      <a:schemeClr val="accent6">
+                        <a:tint val="12000"/>
+                        <a:satMod val="255000"/>
                       </a:schemeClr>
                     </a:gs>
                   </a:gsLst>
                   <a:lin ang="5400000"/>
                 </a:gradFill>
+                <a:effectLst>
+                  <a:innerShdw blurRad="69850" dist="43180" dir="5400000">
+                    <a:srgbClr val="000000">
+                      <a:alpha val="65000"/>
+                    </a:srgbClr>
+                  </a:innerShdw>
+                </a:effectLst>
               </a:rPr>
-              <a:t>Thank You</a:t>
+              <a:t>Questions?</a:t>
             </a:r>
             <a:endParaRPr lang="en-US" sz="5400" b="1" spc="0" dirty="0">
-              <a:ln w="10541" cmpd="sng">
-                <a:solidFill>
-                  <a:schemeClr val="accent1">
-                    <a:shade val="88000"/>
-                    <a:satMod val="110000"/>
-                  </a:schemeClr>
-                </a:solidFill>
-                <a:prstDash val="solid"/>
-              </a:ln>
+              <a:ln w="1905"/>
               <a:gradFill>
                 <a:gsLst>
                   <a:gs pos="0">
-                    <a:schemeClr val="accent1">
-                      <a:tint val="40000"/>
-                      <a:satMod val="250000"/>
+                    <a:schemeClr val="accent6">
+                      <a:shade val="20000"/>
+                      <a:satMod val="200000"/>
                     </a:schemeClr>
                   </a:gs>
-                  <a:gs pos="9000">
-                    <a:schemeClr val="accent1">
-                      <a:tint val="52000"/>
-                      <a:satMod val="300000"/>
-                    </a:schemeClr>
-                  </a:gs>
-                  <a:gs pos="50000">
-                    <a:schemeClr val="accent1">
-                      <a:shade val="20000"/>
-                      <a:satMod val="300000"/>
-                    </a:schemeClr>
-                  </a:gs>
-                  <a:gs pos="79000">
-                    <a:schemeClr val="accent1">
-                      <a:tint val="52000"/>
-                      <a:satMod val="300000"/>
+                  <a:gs pos="78000">
+                    <a:schemeClr val="accent6">
+                      <a:tint val="90000"/>
+                      <a:shade val="89000"/>
+                      <a:satMod val="220000"/>
                     </a:schemeClr>
                   </a:gs>
                   <a:gs pos="100000">
-                    <a:schemeClr val="accent1">
-                      <a:tint val="40000"/>
-                      <a:satMod val="250000"/>
+                    <a:schemeClr val="accent6">
+                      <a:tint val="12000"/>
+                      <a:satMod val="255000"/>
                     </a:schemeClr>
                   </a:gs>
                 </a:gsLst>
                 <a:lin ang="5400000"/>
               </a:gradFill>
-            </a:endParaRPr>
-          </a:p>
-        </p:txBody>
-      </p:sp>
-    </p:spTree>
-    <p:extLst>
-      <p:ext uri="{BB962C8B-B14F-4D97-AF65-F5344CB8AC3E}">
-        <p14:creationId xmlns:p14="http://schemas.microsoft.com/office/powerpoint/2010/main" val="3300258447"/>
-      </p:ext>
-    </p:extLst>
-  </p:cSld>
-  <p:clrMapOvr>
-    <a:masterClrMapping/>
-  </p:clrMapOvr>
-  <p:timing>
-    <p:tnLst>
-      <p:par>
-        <p:cTn xmlns:p14="http://schemas.microsoft.com/office/powerpoint/2010/main" id="1" dur="indefinite" restart="never" nodeType="tmRoot"/>
-      </p:par>
-    </p:tnLst>
-  </p:timing>
-</p:sld>
-</file>
-
-<file path=ppt/slides/slide12.xml><?xml version="1.0" encoding="utf-8"?>
-<p:sld xmlns:a="http://schemas.openxmlformats.org/drawingml/2006/main" xmlns:r="http://schemas.openxmlformats.org/officeDocument/2006/relationships" xmlns:p="http://schemas.openxmlformats.org/presentationml/2006/main">
-  <p:cSld>
-    <p:spTree>
-      <p:nvGrpSpPr>
-        <p:cNvPr id="1" name=""/>
-        <p:cNvGrpSpPr/>
-        <p:nvPr/>
-      </p:nvGrpSpPr>
-      <p:grpSpPr>
-        <a:xfrm>
-          <a:off x="0" y="0"/>
-          <a:ext cx="0" cy="0"/>
-          <a:chOff x="0" y="0"/>
-          <a:chExt cx="0" cy="0"/>
-        </a:xfrm>
-      </p:grpSpPr>
-      <p:sp>
-        <p:nvSpPr>
-          <p:cNvPr id="2" name="Title 1"/>
-          <p:cNvSpPr>
-            <a:spLocks noGrp="1"/>
-          </p:cNvSpPr>
-          <p:nvPr>
-            <p:ph type="title"/>
-          </p:nvPr>
-        </p:nvSpPr>
-        <p:spPr>
-          <a:xfrm>
-            <a:off x="457200" y="3272011"/>
-            <a:ext cx="8229600" cy="990600"/>
-          </a:xfrm>
-        </p:spPr>
-        <p:txBody>
-          <a:bodyPr>
-            <a:normAutofit/>
-          </a:bodyPr>
-          <a:lstStyle/>
-          <a:p>
-            <a:pPr algn="ctr"/>
-            <a:r>
-              <a:rPr lang="en-US" sz="5400" b="1" spc="0" dirty="0" smtClean="0">
-                <a:ln w="10541" cmpd="sng">
-                  <a:solidFill>
-                    <a:srgbClr val="7D7D7D">
-                      <a:tint val="100000"/>
-                      <a:shade val="100000"/>
-                      <a:satMod val="110000"/>
-                    </a:srgbClr>
-                  </a:solidFill>
-                  <a:prstDash val="solid"/>
-                </a:ln>
-                <a:gradFill>
-                  <a:gsLst>
-                    <a:gs pos="0">
-                      <a:srgbClr val="FFFFFF">
-                        <a:tint val="40000"/>
-                        <a:satMod val="250000"/>
-                      </a:srgbClr>
-                    </a:gs>
-                    <a:gs pos="9000">
-                      <a:srgbClr val="FFFFFF">
-                        <a:tint val="52000"/>
-                        <a:satMod val="300000"/>
-                      </a:srgbClr>
-                    </a:gs>
-                    <a:gs pos="50000">
-                      <a:srgbClr val="FFFFFF">
-                        <a:shade val="20000"/>
-                        <a:satMod val="300000"/>
-                      </a:srgbClr>
-                    </a:gs>
-                    <a:gs pos="79000">
-                      <a:srgbClr val="FFFFFF">
-                        <a:tint val="52000"/>
-                        <a:satMod val="300000"/>
-                      </a:srgbClr>
-                    </a:gs>
-                    <a:gs pos="100000">
-                      <a:srgbClr val="FFFFFF">
-                        <a:tint val="40000"/>
-                        <a:satMod val="250000"/>
-                      </a:srgbClr>
-                    </a:gs>
-                  </a:gsLst>
-                  <a:lin ang="5400000"/>
-                </a:gradFill>
-              </a:rPr>
-              <a:t>Questions?</a:t>
-            </a:r>
-            <a:endParaRPr lang="en-US" sz="5400" b="1" spc="0" dirty="0">
-              <a:ln w="10541" cmpd="sng">
-                <a:solidFill>
-                  <a:srgbClr val="7D7D7D">
-                    <a:tint val="100000"/>
-                    <a:shade val="100000"/>
-                    <a:satMod val="110000"/>
+              <a:effectLst>
+                <a:innerShdw blurRad="69850" dist="43180" dir="5400000">
+                  <a:srgbClr val="000000">
+                    <a:alpha val="65000"/>
                   </a:srgbClr>
-                </a:solidFill>
-                <a:prstDash val="solid"/>
-              </a:ln>
-              <a:gradFill>
-                <a:gsLst>
-                  <a:gs pos="0">
-                    <a:srgbClr val="FFFFFF">
-                      <a:tint val="40000"/>
-                      <a:satMod val="250000"/>
-                    </a:srgbClr>
-                  </a:gs>
-                  <a:gs pos="9000">
-                    <a:srgbClr val="FFFFFF">
-                      <a:tint val="52000"/>
-                      <a:satMod val="300000"/>
-                    </a:srgbClr>
-                  </a:gs>
-                  <a:gs pos="50000">
-                    <a:srgbClr val="FFFFFF">
-                      <a:shade val="20000"/>
-                      <a:satMod val="300000"/>
-                    </a:srgbClr>
-                  </a:gs>
-                  <a:gs pos="79000">
-                    <a:srgbClr val="FFFFFF">
-                      <a:tint val="52000"/>
-                      <a:satMod val="300000"/>
-                    </a:srgbClr>
-                  </a:gs>
-                  <a:gs pos="100000">
-                    <a:srgbClr val="FFFFFF">
-                      <a:tint val="40000"/>
-                      <a:satMod val="250000"/>
-                    </a:srgbClr>
-                  </a:gs>
-                </a:gsLst>
-                <a:lin ang="5400000"/>
-              </a:gradFill>
+                </a:innerShdw>
+              </a:effectLst>
             </a:endParaRPr>
           </a:p>
         </p:txBody>
@@ -4010,39 +3749,75 @@
         <p:spPr/>
         <p:txBody>
           <a:bodyPr>
-            <a:normAutofit fontScale="92500"/>
+            <a:normAutofit fontScale="92500" lnSpcReduction="20000"/>
           </a:bodyPr>
           <a:lstStyle/>
           <a:p>
-            <a:r>
-              <a:rPr lang="en-US" sz="3600" dirty="0" smtClean="0"/>
-              <a:t>Application to compare Movies’ opinion against IMDB rating </a:t>
-            </a:r>
-          </a:p>
-          <a:p>
             <a:pPr>
               <a:lnSpc>
-                <a:spcPct val="150000"/>
+                <a:spcPct val="140000"/>
               </a:lnSpc>
             </a:pPr>
             <a:r>
               <a:rPr lang="en-US" sz="3600" dirty="0" smtClean="0"/>
+              <a:t>Application to </a:t>
+            </a:r>
+            <a:r>
+              <a:rPr lang="en-US" sz="3600" dirty="0" smtClean="0"/>
+              <a:t>compare two </a:t>
+            </a:r>
+            <a:r>
+              <a:rPr lang="en-US" sz="3600" dirty="0" smtClean="0"/>
+              <a:t>Movies’ opinion against IMDB rating </a:t>
+            </a:r>
+          </a:p>
+          <a:p>
+            <a:pPr>
+              <a:lnSpc>
+                <a:spcPct val="140000"/>
+              </a:lnSpc>
+            </a:pPr>
+            <a:r>
+              <a:rPr lang="en-US" sz="3600" dirty="0" smtClean="0"/>
               <a:t>Input to the system – two movie names</a:t>
             </a:r>
           </a:p>
           <a:p>
+            <a:pPr>
+              <a:lnSpc>
+                <a:spcPct val="140000"/>
+              </a:lnSpc>
+            </a:pPr>
             <a:r>
               <a:rPr lang="en-US" sz="3600" dirty="0" smtClean="0"/>
-              <a:t>Fetch data from IMDB for the two movies </a:t>
-            </a:r>
-          </a:p>
-          <a:p>
+              <a:t>Fetch data from IMDB for </a:t>
+            </a:r>
+            <a:r>
+              <a:rPr lang="en-US" sz="3600" dirty="0" smtClean="0"/>
+              <a:t>the </a:t>
+            </a:r>
+            <a:r>
+              <a:rPr lang="en-US" sz="3600" dirty="0" smtClean="0"/>
+              <a:t>movies </a:t>
+            </a:r>
+          </a:p>
+          <a:p>
+            <a:pPr>
+              <a:lnSpc>
+                <a:spcPct val="140000"/>
+              </a:lnSpc>
+            </a:pPr>
             <a:r>
               <a:rPr lang="en-US" sz="3600" dirty="0" smtClean="0"/>
               <a:t>Collects tweets from twitter for the movies</a:t>
             </a:r>
           </a:p>
           <a:p>
+            <a:pPr>
+              <a:lnSpc>
+                <a:spcPct val="140000"/>
+              </a:lnSpc>
+            </a:pPr>
             <a:r>
               <a:rPr lang="en-US" sz="3600" dirty="0" smtClean="0"/>
               <a:t>Classifies the tweets as positive</a:t>
@@ -4402,19 +4177,9 @@
         <p:spPr/>
         <p:txBody>
           <a:bodyPr>
-            <a:normAutofit fontScale="85000" lnSpcReduction="10000"/>
+            <a:normAutofit fontScale="77500" lnSpcReduction="20000"/>
           </a:bodyPr>
           <a:lstStyle/>
-          <a:p>
-            <a:r>
-              <a:rPr lang="en-US" sz="3600" b="1" dirty="0" err="1" smtClean="0"/>
-              <a:t>AngularJS</a:t>
-            </a:r>
-            <a:r>
-              <a:rPr lang="en-US" sz="3600" b="1" dirty="0" smtClean="0"/>
-              <a:t> – for Single Page Application </a:t>
-            </a:r>
-          </a:p>
           <a:p>
             <a:pPr>
               <a:lnSpc>
@@ -4422,37 +4187,85 @@
               </a:lnSpc>
             </a:pPr>
             <a:r>
-              <a:rPr lang="en-US" sz="3600" b="1" dirty="0" smtClean="0"/>
+              <a:rPr lang="en-US" sz="3600" dirty="0" smtClean="0"/>
+              <a:t>IMDBPy </a:t>
+            </a:r>
+            <a:r>
+              <a:rPr lang="en-US" sz="3600" dirty="0" smtClean="0"/>
+              <a:t>– python lib to access IMDB APIs</a:t>
+            </a:r>
+          </a:p>
+          <a:p>
+            <a:pPr>
+              <a:lnSpc>
+                <a:spcPct val="150000"/>
+              </a:lnSpc>
+            </a:pPr>
+            <a:r>
+              <a:rPr lang="en-US" sz="3600" dirty="0" err="1" smtClean="0"/>
+              <a:t>Tweepy</a:t>
+            </a:r>
+            <a:r>
+              <a:rPr lang="en-US" sz="3600" dirty="0" smtClean="0"/>
+              <a:t> – python lib to access twitter APIs</a:t>
+            </a:r>
+          </a:p>
+          <a:p>
+            <a:pPr>
+              <a:lnSpc>
+                <a:spcPct val="150000"/>
+              </a:lnSpc>
+            </a:pPr>
+            <a:r>
+              <a:rPr lang="en-US" sz="3600" dirty="0" smtClean="0"/>
+              <a:t>Python NLTK – for tokenization, classification, corpus </a:t>
+            </a:r>
+            <a:r>
+              <a:rPr lang="en-US" sz="3600" dirty="0" smtClean="0"/>
+              <a:t>data</a:t>
+            </a:r>
+          </a:p>
+          <a:p>
+            <a:pPr>
+              <a:lnSpc>
+                <a:spcPct val="150000"/>
+              </a:lnSpc>
+            </a:pPr>
+            <a:r>
+              <a:rPr lang="en-US" sz="3600" dirty="0" err="1"/>
+              <a:t>AngularJS</a:t>
+            </a:r>
+            <a:r>
+              <a:rPr lang="en-US" sz="3600" dirty="0"/>
+              <a:t> – for Single Page Application </a:t>
+            </a:r>
+          </a:p>
+          <a:p>
+            <a:pPr>
+              <a:lnSpc>
+                <a:spcPct val="150000"/>
+              </a:lnSpc>
+            </a:pPr>
+            <a:r>
+              <a:rPr lang="en-US" sz="3600" dirty="0"/>
               <a:t>D3JS – for visualization</a:t>
             </a:r>
           </a:p>
           <a:p>
-            <a:r>
-              <a:rPr lang="en-US" sz="3600" b="1" dirty="0" smtClean="0"/>
-              <a:t>Flask - python web framework for web service</a:t>
-            </a:r>
-          </a:p>
-          <a:p>
-            <a:r>
-              <a:rPr lang="en-US" sz="3600" b="1" dirty="0" smtClean="0"/>
-              <a:t>IMDBPy – python lib to access IMDB APIs</a:t>
-            </a:r>
-          </a:p>
-          <a:p>
-            <a:r>
-              <a:rPr lang="en-US" sz="3600" b="1" dirty="0" err="1" smtClean="0"/>
-              <a:t>Tweepy</a:t>
-            </a:r>
-            <a:r>
-              <a:rPr lang="en-US" sz="3600" b="1" dirty="0" smtClean="0"/>
-              <a:t> – python lib to access twitter APIs</a:t>
-            </a:r>
-          </a:p>
-          <a:p>
-            <a:r>
-              <a:rPr lang="en-US" sz="3600" b="1" dirty="0" smtClean="0"/>
-              <a:t>Python NLTK – for tokenization, classification, corpus data</a:t>
-            </a:r>
+            <a:pPr>
+              <a:lnSpc>
+                <a:spcPct val="150000"/>
+              </a:lnSpc>
+            </a:pPr>
+            <a:r>
+              <a:rPr lang="en-US" sz="3600" dirty="0"/>
+              <a:t>Flask - python web framework for web </a:t>
+            </a:r>
+            <a:r>
+              <a:rPr lang="en-US" sz="3600" dirty="0" smtClean="0"/>
+              <a:t>service</a:t>
+            </a:r>
+            <a:endParaRPr lang="en-US" sz="3600" dirty="0"/>
           </a:p>
         </p:txBody>
       </p:sp>
@@ -4829,10 +4642,10 @@
           <a:lstStyle/>
           <a:p>
             <a:r>
-              <a:rPr lang="en-US" sz="4800" dirty="0" smtClean="0"/>
+              <a:rPr lang="en-US" sz="4800" b="1" dirty="0" smtClean="0"/>
               <a:t>Architecture</a:t>
             </a:r>
-            <a:endParaRPr lang="en-US" sz="4800" dirty="0"/>
+            <a:endParaRPr lang="en-US" sz="4800" b="1" dirty="0"/>
           </a:p>
         </p:txBody>
       </p:sp>
@@ -6217,10 +6030,10 @@
           <a:lstStyle/>
           <a:p>
             <a:r>
-              <a:rPr lang="en-US" sz="4800" dirty="0" smtClean="0"/>
+              <a:rPr lang="en-US" sz="4800" b="1" dirty="0" smtClean="0"/>
               <a:t>Classification</a:t>
             </a:r>
-            <a:endParaRPr lang="en-US" sz="4800" dirty="0"/>
+            <a:endParaRPr lang="en-US" sz="4800" b="1" dirty="0"/>
           </a:p>
         </p:txBody>
       </p:sp>
@@ -6247,7 +6060,7 @@
               </a:lnSpc>
             </a:pPr>
             <a:r>
-              <a:rPr lang="en-US" b="1" dirty="0" smtClean="0"/>
+              <a:rPr lang="en-US" dirty="0" smtClean="0"/>
               <a:t>NLTK Movie Review Corpus</a:t>
             </a:r>
           </a:p>
@@ -6258,11 +6071,11 @@
               </a:lnSpc>
             </a:pPr>
             <a:r>
-              <a:rPr lang="en-US" sz="2400" b="1" dirty="0" smtClean="0"/>
+              <a:rPr lang="en-US" sz="2400" dirty="0" smtClean="0"/>
               <a:t>Contains reviews classified into </a:t>
             </a:r>
             <a:r>
-              <a:rPr lang="en-US" sz="2400" b="1" dirty="0" smtClean="0">
+              <a:rPr lang="en-US" sz="2400" dirty="0" smtClean="0">
                 <a:solidFill>
                   <a:srgbClr val="FF00FF"/>
                 </a:solidFill>
@@ -6270,11 +6083,11 @@
               <a:t>positive</a:t>
             </a:r>
             <a:r>
-              <a:rPr lang="en-US" sz="2400" b="1" dirty="0" smtClean="0"/>
+              <a:rPr lang="en-US" sz="2400" dirty="0" smtClean="0"/>
               <a:t> and </a:t>
             </a:r>
             <a:r>
-              <a:rPr lang="en-US" sz="2400" b="1" dirty="0" smtClean="0">
+              <a:rPr lang="en-US" sz="2400" dirty="0" smtClean="0">
                 <a:solidFill>
                   <a:srgbClr val="FF00FF"/>
                 </a:solidFill>
@@ -6282,7 +6095,7 @@
               <a:t>negative</a:t>
             </a:r>
             <a:r>
-              <a:rPr lang="en-US" sz="2400" b="1" dirty="0" smtClean="0"/>
+              <a:rPr lang="en-US" sz="2400" dirty="0" smtClean="0"/>
               <a:t> categories</a:t>
             </a:r>
           </a:p>
@@ -6293,11 +6106,11 @@
               </a:lnSpc>
             </a:pPr>
             <a:r>
-              <a:rPr lang="en-US" sz="2400" b="1" dirty="0" smtClean="0"/>
+              <a:rPr lang="en-US" sz="2400" dirty="0" smtClean="0"/>
               <a:t>Contains </a:t>
             </a:r>
             <a:r>
-              <a:rPr lang="en-US" sz="2400" b="1" dirty="0" smtClean="0">
+              <a:rPr lang="en-US" sz="2400" dirty="0" smtClean="0">
                 <a:solidFill>
                   <a:srgbClr val="FF00FF"/>
                 </a:solidFill>
@@ -6305,18 +6118,18 @@
               <a:t>1000 positive file </a:t>
             </a:r>
             <a:r>
-              <a:rPr lang="en-US" sz="2400" b="1" dirty="0" smtClean="0"/>
+              <a:rPr lang="en-US" sz="2400" dirty="0" smtClean="0"/>
               <a:t>and </a:t>
             </a:r>
             <a:r>
-              <a:rPr lang="en-US" sz="2400" b="1" dirty="0" smtClean="0">
+              <a:rPr lang="en-US" sz="2400" dirty="0" smtClean="0">
                 <a:solidFill>
                   <a:srgbClr val="FF00FF"/>
                 </a:solidFill>
               </a:rPr>
               <a:t>1000 negative files</a:t>
             </a:r>
-            <a:endParaRPr lang="en-US" b="1" dirty="0" smtClean="0">
+            <a:endParaRPr lang="en-US" dirty="0" smtClean="0">
               <a:solidFill>
                 <a:srgbClr val="FF00FF"/>
               </a:solidFill>
@@ -6329,7 +6142,7 @@
               </a:lnSpc>
             </a:pPr>
             <a:r>
-              <a:rPr lang="en-US" b="1" dirty="0" smtClean="0"/>
+              <a:rPr lang="en-US" dirty="0" smtClean="0"/>
               <a:t>NLTK Contains a number of trainable classifiers</a:t>
             </a:r>
           </a:p>
@@ -6340,33 +6153,14 @@
               </a:lnSpc>
             </a:pPr>
             <a:r>
-              <a:rPr lang="en-US" b="1" dirty="0" smtClean="0"/>
-              <a:t>NLTK metrics module provides functions to calculate Accuracy, Precision &amp; Recall – use them in the evaluation of the classifier</a:t>
-            </a:r>
-          </a:p>
-          <a:p>
-            <a:pPr>
-              <a:lnSpc>
-                <a:spcPct val="150000"/>
-              </a:lnSpc>
-            </a:pPr>
-            <a:endParaRPr lang="en-US" b="1" dirty="0" smtClean="0"/>
-          </a:p>
-          <a:p>
-            <a:pPr>
-              <a:lnSpc>
-                <a:spcPct val="150000"/>
-              </a:lnSpc>
-            </a:pPr>
-            <a:endParaRPr lang="en-US" b="1" dirty="0" smtClean="0"/>
-          </a:p>
-          <a:p>
-            <a:pPr>
-              <a:lnSpc>
-                <a:spcPct val="150000"/>
-              </a:lnSpc>
-            </a:pPr>
-            <a:endParaRPr lang="en-US" b="1" dirty="0" smtClean="0"/>
+              <a:rPr lang="en-US" dirty="0" smtClean="0"/>
+              <a:t>NLTK metrics module provides functions to calculate Accuracy, Precision &amp; Recall – use them in the evaluation of the </a:t>
+            </a:r>
+            <a:r>
+              <a:rPr lang="en-US" dirty="0" smtClean="0"/>
+              <a:t>classifier</a:t>
+            </a:r>
+            <a:endParaRPr lang="en-US" dirty="0" smtClean="0"/>
           </a:p>
         </p:txBody>
       </p:sp>
@@ -6383,9 +6177,244 @@
   <p:timing>
     <p:tnLst>
       <p:par>
-        <p:cTn xmlns:p14="http://schemas.microsoft.com/office/powerpoint/2010/main" id="1" dur="indefinite" restart="never" nodeType="tmRoot"/>
+        <p:cTn xmlns:p14="http://schemas.microsoft.com/office/powerpoint/2010/main" id="1" dur="indefinite" restart="never" nodeType="tmRoot">
+          <p:childTnLst>
+            <p:seq concurrent="1" nextAc="seek">
+              <p:cTn id="2" dur="indefinite" nodeType="mainSeq">
+                <p:childTnLst>
+                  <p:par>
+                    <p:cTn id="3" fill="hold">
+                      <p:stCondLst>
+                        <p:cond delay="indefinite"/>
+                      </p:stCondLst>
+                      <p:childTnLst>
+                        <p:par>
+                          <p:cTn id="4" fill="hold">
+                            <p:stCondLst>
+                              <p:cond delay="0"/>
+                            </p:stCondLst>
+                            <p:childTnLst>
+                              <p:par>
+                                <p:cTn id="5" presetID="1" presetClass="entr" presetSubtype="0" fill="hold" grpId="0" nodeType="clickEffect">
+                                  <p:stCondLst>
+                                    <p:cond delay="0"/>
+                                  </p:stCondLst>
+                                  <p:childTnLst>
+                                    <p:set>
+                                      <p:cBhvr>
+                                        <p:cTn id="6" dur="1" fill="hold">
+                                          <p:stCondLst>
+                                            <p:cond delay="0"/>
+                                          </p:stCondLst>
+                                        </p:cTn>
+                                        <p:tgtEl>
+                                          <p:spTgt spid="3">
+                                            <p:txEl>
+                                              <p:pRg st="0" end="0"/>
+                                            </p:txEl>
+                                          </p:spTgt>
+                                        </p:tgtEl>
+                                        <p:attrNameLst>
+                                          <p:attrName>style.visibility</p:attrName>
+                                        </p:attrNameLst>
+                                      </p:cBhvr>
+                                      <p:to>
+                                        <p:strVal val="visible"/>
+                                      </p:to>
+                                    </p:set>
+                                  </p:childTnLst>
+                                </p:cTn>
+                              </p:par>
+                              <p:par>
+                                <p:cTn id="7" presetID="1" presetClass="entr" presetSubtype="0" fill="hold" grpId="0" nodeType="withEffect">
+                                  <p:stCondLst>
+                                    <p:cond delay="0"/>
+                                  </p:stCondLst>
+                                  <p:childTnLst>
+                                    <p:set>
+                                      <p:cBhvr>
+                                        <p:cTn id="8" dur="1" fill="hold">
+                                          <p:stCondLst>
+                                            <p:cond delay="0"/>
+                                          </p:stCondLst>
+                                        </p:cTn>
+                                        <p:tgtEl>
+                                          <p:spTgt spid="3">
+                                            <p:txEl>
+                                              <p:pRg st="1" end="1"/>
+                                            </p:txEl>
+                                          </p:spTgt>
+                                        </p:tgtEl>
+                                        <p:attrNameLst>
+                                          <p:attrName>style.visibility</p:attrName>
+                                        </p:attrNameLst>
+                                      </p:cBhvr>
+                                      <p:to>
+                                        <p:strVal val="visible"/>
+                                      </p:to>
+                                    </p:set>
+                                  </p:childTnLst>
+                                </p:cTn>
+                              </p:par>
+                              <p:par>
+                                <p:cTn id="9" presetID="1" presetClass="entr" presetSubtype="0" fill="hold" grpId="0" nodeType="withEffect">
+                                  <p:stCondLst>
+                                    <p:cond delay="0"/>
+                                  </p:stCondLst>
+                                  <p:childTnLst>
+                                    <p:set>
+                                      <p:cBhvr>
+                                        <p:cTn id="10" dur="1" fill="hold">
+                                          <p:stCondLst>
+                                            <p:cond delay="0"/>
+                                          </p:stCondLst>
+                                        </p:cTn>
+                                        <p:tgtEl>
+                                          <p:spTgt spid="3">
+                                            <p:txEl>
+                                              <p:pRg st="2" end="2"/>
+                                            </p:txEl>
+                                          </p:spTgt>
+                                        </p:tgtEl>
+                                        <p:attrNameLst>
+                                          <p:attrName>style.visibility</p:attrName>
+                                        </p:attrNameLst>
+                                      </p:cBhvr>
+                                      <p:to>
+                                        <p:strVal val="visible"/>
+                                      </p:to>
+                                    </p:set>
+                                  </p:childTnLst>
+                                </p:cTn>
+                              </p:par>
+                            </p:childTnLst>
+                          </p:cTn>
+                        </p:par>
+                      </p:childTnLst>
+                    </p:cTn>
+                  </p:par>
+                  <p:par>
+                    <p:cTn id="11" fill="hold">
+                      <p:stCondLst>
+                        <p:cond delay="indefinite"/>
+                      </p:stCondLst>
+                      <p:childTnLst>
+                        <p:par>
+                          <p:cTn id="12" fill="hold">
+                            <p:stCondLst>
+                              <p:cond delay="0"/>
+                            </p:stCondLst>
+                            <p:childTnLst>
+                              <p:par>
+                                <p:cTn id="13" presetID="1" presetClass="entr" presetSubtype="0" fill="hold" grpId="0" nodeType="clickEffect">
+                                  <p:stCondLst>
+                                    <p:cond delay="0"/>
+                                  </p:stCondLst>
+                                  <p:childTnLst>
+                                    <p:set>
+                                      <p:cBhvr>
+                                        <p:cTn id="14" dur="1" fill="hold">
+                                          <p:stCondLst>
+                                            <p:cond delay="0"/>
+                                          </p:stCondLst>
+                                        </p:cTn>
+                                        <p:tgtEl>
+                                          <p:spTgt spid="3">
+                                            <p:txEl>
+                                              <p:pRg st="3" end="3"/>
+                                            </p:txEl>
+                                          </p:spTgt>
+                                        </p:tgtEl>
+                                        <p:attrNameLst>
+                                          <p:attrName>style.visibility</p:attrName>
+                                        </p:attrNameLst>
+                                      </p:cBhvr>
+                                      <p:to>
+                                        <p:strVal val="visible"/>
+                                      </p:to>
+                                    </p:set>
+                                  </p:childTnLst>
+                                </p:cTn>
+                              </p:par>
+                            </p:childTnLst>
+                          </p:cTn>
+                        </p:par>
+                      </p:childTnLst>
+                    </p:cTn>
+                  </p:par>
+                  <p:par>
+                    <p:cTn id="15" fill="hold">
+                      <p:stCondLst>
+                        <p:cond delay="indefinite"/>
+                      </p:stCondLst>
+                      <p:childTnLst>
+                        <p:par>
+                          <p:cTn id="16" fill="hold">
+                            <p:stCondLst>
+                              <p:cond delay="0"/>
+                            </p:stCondLst>
+                            <p:childTnLst>
+                              <p:par>
+                                <p:cTn id="17" presetID="1" presetClass="entr" presetSubtype="0" fill="hold" grpId="0" nodeType="clickEffect">
+                                  <p:stCondLst>
+                                    <p:cond delay="0"/>
+                                  </p:stCondLst>
+                                  <p:childTnLst>
+                                    <p:set>
+                                      <p:cBhvr>
+                                        <p:cTn id="18" dur="1" fill="hold">
+                                          <p:stCondLst>
+                                            <p:cond delay="0"/>
+                                          </p:stCondLst>
+                                        </p:cTn>
+                                        <p:tgtEl>
+                                          <p:spTgt spid="3">
+                                            <p:txEl>
+                                              <p:pRg st="4" end="4"/>
+                                            </p:txEl>
+                                          </p:spTgt>
+                                        </p:tgtEl>
+                                        <p:attrNameLst>
+                                          <p:attrName>style.visibility</p:attrName>
+                                        </p:attrNameLst>
+                                      </p:cBhvr>
+                                      <p:to>
+                                        <p:strVal val="visible"/>
+                                      </p:to>
+                                    </p:set>
+                                  </p:childTnLst>
+                                </p:cTn>
+                              </p:par>
+                            </p:childTnLst>
+                          </p:cTn>
+                        </p:par>
+                      </p:childTnLst>
+                    </p:cTn>
+                  </p:par>
+                </p:childTnLst>
+              </p:cTn>
+              <p:prevCondLst>
+                <p:cond evt="onPrev" delay="0">
+                  <p:tgtEl>
+                    <p:sldTgt/>
+                  </p:tgtEl>
+                </p:cond>
+              </p:prevCondLst>
+              <p:nextCondLst>
+                <p:cond evt="onNext" delay="0">
+                  <p:tgtEl>
+                    <p:sldTgt/>
+                  </p:tgtEl>
+                </p:cond>
+              </p:nextCondLst>
+            </p:seq>
+          </p:childTnLst>
+        </p:cTn>
       </p:par>
     </p:tnLst>
+    <p:bldLst>
+      <p:bldP spid="3" grpId="0" build="p"/>
+    </p:bldLst>
   </p:timing>
 </p:sld>
 </file>
@@ -6419,14 +6448,16 @@
         </p:nvSpPr>
         <p:spPr/>
         <p:txBody>
-          <a:bodyPr/>
+          <a:bodyPr>
+            <a:normAutofit/>
+          </a:bodyPr>
           <a:lstStyle/>
           <a:p>
             <a:r>
-              <a:rPr lang="en-US" dirty="0" smtClean="0"/>
+              <a:rPr lang="en-US" sz="4800" b="1" dirty="0" smtClean="0"/>
               <a:t>Visualization</a:t>
             </a:r>
-            <a:endParaRPr lang="en-US" dirty="0"/>
+            <a:endParaRPr lang="en-US" sz="4800" b="1" dirty="0"/>
           </a:p>
         </p:txBody>
       </p:sp>
@@ -6442,12 +6473,27 @@
         </p:nvSpPr>
         <p:spPr/>
         <p:txBody>
-          <a:bodyPr/>
+          <a:bodyPr>
+            <a:normAutofit fontScale="85000" lnSpcReduction="20000"/>
+          </a:bodyPr>
           <a:lstStyle/>
           <a:p>
+            <a:pPr>
+              <a:lnSpc>
+                <a:spcPct val="150000"/>
+              </a:lnSpc>
+            </a:pPr>
+            <a:r>
+              <a:rPr lang="en-US" dirty="0"/>
+              <a:t>V</a:t>
+            </a:r>
             <a:r>
               <a:rPr lang="en-US" dirty="0" smtClean="0"/>
-              <a:t>Multiple visualizations will be created </a:t>
+              <a:t>isualizations </a:t>
+            </a:r>
+            <a:r>
+              <a:rPr lang="en-US" dirty="0" smtClean="0"/>
+              <a:t>will be created </a:t>
             </a:r>
             <a:r>
               <a:rPr lang="en-US" dirty="0"/>
@@ -6455,57 +6501,174 @@
             </a:r>
             <a:r>
               <a:rPr lang="en-US" dirty="0" smtClean="0"/>
-              <a:t>with D3JS</a:t>
-            </a:r>
-          </a:p>
-          <a:p>
+              <a:t>with </a:t>
+            </a:r>
+            <a:r>
+              <a:rPr lang="en-US" dirty="0" smtClean="0"/>
+              <a:t>D3JS</a:t>
+            </a:r>
             <a:endParaRPr lang="en-US" dirty="0" smtClean="0"/>
           </a:p>
           <a:p>
+            <a:pPr>
+              <a:lnSpc>
+                <a:spcPct val="150000"/>
+              </a:lnSpc>
+            </a:pPr>
             <a:r>
               <a:rPr lang="en-US" dirty="0" smtClean="0"/>
-              <a:t>Visualizations will compare both the movies based on their IMDB rating and twitter </a:t>
+              <a:t>Visualizations will </a:t>
             </a:r>
             <a:r>
               <a:rPr lang="en-US" dirty="0" smtClean="0"/>
-              <a:t>opinion</a:t>
-            </a:r>
-          </a:p>
-          <a:p>
+              <a:t>compare the two </a:t>
+            </a:r>
             <a:r>
               <a:rPr lang="en-US" dirty="0" smtClean="0"/>
-              <a:t>IMDB rating</a:t>
-            </a:r>
-          </a:p>
-          <a:p>
+              <a:t>movies based on their IMDB rating and twitter </a:t>
+            </a:r>
             <a:r>
               <a:rPr lang="en-US" dirty="0" smtClean="0"/>
-              <a:t>Runtime</a:t>
-            </a:r>
-          </a:p>
-          <a:p>
+              <a:t>opinion.</a:t>
+            </a:r>
+          </a:p>
+          <a:p>
+            <a:pPr>
+              <a:lnSpc>
+                <a:spcPct val="150000"/>
+              </a:lnSpc>
+            </a:pPr>
             <a:r>
               <a:rPr lang="en-US" dirty="0" smtClean="0"/>
-              <a:t>No of Positive and Negative tweets</a:t>
-            </a:r>
-          </a:p>
-          <a:p>
+              <a:t>For each movie the following </a:t>
+            </a:r>
             <a:r>
               <a:rPr lang="en-US" dirty="0" smtClean="0"/>
-              <a:t>Same actor – low rating movie and high rating movie</a:t>
-            </a:r>
-          </a:p>
-          <a:p>
+              <a:t>data displayed:</a:t>
+            </a:r>
+          </a:p>
+          <a:p>
+            <a:pPr>
+              <a:lnSpc>
+                <a:spcPct val="150000"/>
+              </a:lnSpc>
+            </a:pPr>
+            <a:r>
+              <a:rPr lang="en-US" dirty="0" err="1" smtClean="0"/>
+              <a:t>Eg</a:t>
+            </a:r>
+            <a:r>
+              <a:rPr lang="en-US" dirty="0" smtClean="0"/>
+              <a:t>.</a:t>
+            </a:r>
+          </a:p>
+          <a:p>
+            <a:pPr lvl="1"/>
+            <a:r>
+              <a:rPr lang="en-US" dirty="0"/>
+              <a:t>Title: Interstellar (2014)</a:t>
+            </a:r>
+          </a:p>
+          <a:p>
+            <a:pPr lvl="1"/>
+            <a:r>
+              <a:rPr lang="en-US" dirty="0"/>
+              <a:t>Genres: Adventure, Sci-Fi.</a:t>
+            </a:r>
+          </a:p>
+          <a:p>
+            <a:pPr lvl="1"/>
+            <a:r>
+              <a:rPr lang="en-US" dirty="0"/>
+              <a:t>Director: Christopher Nolan.</a:t>
+            </a:r>
+          </a:p>
+          <a:p>
+            <a:pPr lvl="1"/>
+            <a:r>
+              <a:rPr lang="en-US" dirty="0"/>
+              <a:t>Writer: Jonathan Nolan, Christopher Nolan.</a:t>
+            </a:r>
+          </a:p>
+          <a:p>
+            <a:pPr lvl="1"/>
+            <a:r>
+              <a:rPr lang="en-US" dirty="0"/>
+              <a:t>Cast: Ellen Burstyn (</a:t>
+            </a:r>
+            <a:r>
+              <a:rPr lang="en-US" dirty="0" err="1"/>
+              <a:t>Murph</a:t>
+            </a:r>
+            <a:r>
+              <a:rPr lang="en-US" dirty="0"/>
+              <a:t>), Matthew </a:t>
+            </a:r>
+            <a:r>
+              <a:rPr lang="en-US" dirty="0" err="1"/>
+              <a:t>McConaughey</a:t>
+            </a:r>
+            <a:r>
+              <a:rPr lang="en-US" dirty="0"/>
+              <a:t> (Cooper), Mackenzie Foy (</a:t>
+            </a:r>
+            <a:r>
+              <a:rPr lang="en-US" dirty="0" err="1"/>
+              <a:t>Murph</a:t>
+            </a:r>
+            <a:r>
+              <a:rPr lang="en-US" dirty="0"/>
+              <a:t>), John Lithgow (Donald), </a:t>
+            </a:r>
+            <a:r>
+              <a:rPr lang="en-US" dirty="0" err="1"/>
+              <a:t>Timothée</a:t>
+            </a:r>
+            <a:r>
+              <a:rPr lang="en-US" dirty="0"/>
+              <a:t> </a:t>
+            </a:r>
+            <a:r>
+              <a:rPr lang="en-US" dirty="0" err="1"/>
+              <a:t>Chalamet</a:t>
+            </a:r>
+            <a:r>
+              <a:rPr lang="en-US" dirty="0"/>
+              <a:t> (Tom).</a:t>
+            </a:r>
+          </a:p>
+          <a:p>
+            <a:pPr lvl="1"/>
+            <a:r>
+              <a:rPr lang="en-US" dirty="0"/>
+              <a:t>Runtime: 169.</a:t>
+            </a:r>
+          </a:p>
+          <a:p>
+            <a:pPr lvl="1"/>
+            <a:r>
+              <a:rPr lang="en-US" dirty="0"/>
+              <a:t>Country: USA, UK, Canada.</a:t>
+            </a:r>
+          </a:p>
+          <a:p>
+            <a:pPr lvl="1"/>
+            <a:r>
+              <a:rPr lang="en-US" dirty="0"/>
+              <a:t>Language: English.</a:t>
+            </a:r>
+          </a:p>
+          <a:p>
+            <a:pPr lvl="1"/>
+            <a:r>
+              <a:rPr lang="en-US" dirty="0"/>
+              <a:t>Rating: 8.8 (523249 votes)</a:t>
+            </a:r>
+            <a:r>
+              <a:rPr lang="en-US" dirty="0" smtClean="0"/>
+              <a:t>.</a:t>
+            </a:r>
             <a:endParaRPr lang="en-US" dirty="0" smtClean="0"/>
-          </a:p>
-          <a:p>
-            <a:endParaRPr lang="en-US" dirty="0"/>
-          </a:p>
-          <a:p>
-            <a:endParaRPr lang="en-US" dirty="0" smtClean="0"/>
-          </a:p>
-          <a:p>
-            <a:endParaRPr lang="en-US" dirty="0"/>
           </a:p>
         </p:txBody>
       </p:sp>
@@ -6522,9 +6685,510 @@
   <p:timing>
     <p:tnLst>
       <p:par>
-        <p:cTn xmlns:p14="http://schemas.microsoft.com/office/powerpoint/2010/main" id="1" dur="indefinite" restart="never" nodeType="tmRoot"/>
+        <p:cTn xmlns:p14="http://schemas.microsoft.com/office/powerpoint/2010/main" id="1" dur="indefinite" restart="never" nodeType="tmRoot">
+          <p:childTnLst>
+            <p:seq concurrent="1" nextAc="seek">
+              <p:cTn id="2" dur="indefinite" nodeType="mainSeq">
+                <p:childTnLst>
+                  <p:par>
+                    <p:cTn id="3" fill="hold">
+                      <p:stCondLst>
+                        <p:cond delay="indefinite"/>
+                      </p:stCondLst>
+                      <p:childTnLst>
+                        <p:par>
+                          <p:cTn id="4" fill="hold">
+                            <p:stCondLst>
+                              <p:cond delay="0"/>
+                            </p:stCondLst>
+                            <p:childTnLst>
+                              <p:par>
+                                <p:cTn id="5" presetID="1" presetClass="entr" presetSubtype="0" fill="hold" grpId="0" nodeType="clickEffect">
+                                  <p:stCondLst>
+                                    <p:cond delay="0"/>
+                                  </p:stCondLst>
+                                  <p:childTnLst>
+                                    <p:set>
+                                      <p:cBhvr>
+                                        <p:cTn id="6" dur="1" fill="hold">
+                                          <p:stCondLst>
+                                            <p:cond delay="0"/>
+                                          </p:stCondLst>
+                                        </p:cTn>
+                                        <p:tgtEl>
+                                          <p:spTgt spid="3">
+                                            <p:txEl>
+                                              <p:pRg st="0" end="0"/>
+                                            </p:txEl>
+                                          </p:spTgt>
+                                        </p:tgtEl>
+                                        <p:attrNameLst>
+                                          <p:attrName>style.visibility</p:attrName>
+                                        </p:attrNameLst>
+                                      </p:cBhvr>
+                                      <p:to>
+                                        <p:strVal val="visible"/>
+                                      </p:to>
+                                    </p:set>
+                                  </p:childTnLst>
+                                </p:cTn>
+                              </p:par>
+                            </p:childTnLst>
+                          </p:cTn>
+                        </p:par>
+                      </p:childTnLst>
+                    </p:cTn>
+                  </p:par>
+                  <p:par>
+                    <p:cTn id="7" fill="hold">
+                      <p:stCondLst>
+                        <p:cond delay="indefinite"/>
+                      </p:stCondLst>
+                      <p:childTnLst>
+                        <p:par>
+                          <p:cTn id="8" fill="hold">
+                            <p:stCondLst>
+                              <p:cond delay="0"/>
+                            </p:stCondLst>
+                            <p:childTnLst>
+                              <p:par>
+                                <p:cTn id="9" presetID="1" presetClass="entr" presetSubtype="0" fill="hold" grpId="0" nodeType="clickEffect">
+                                  <p:stCondLst>
+                                    <p:cond delay="0"/>
+                                  </p:stCondLst>
+                                  <p:childTnLst>
+                                    <p:set>
+                                      <p:cBhvr>
+                                        <p:cTn id="10" dur="1" fill="hold">
+                                          <p:stCondLst>
+                                            <p:cond delay="0"/>
+                                          </p:stCondLst>
+                                        </p:cTn>
+                                        <p:tgtEl>
+                                          <p:spTgt spid="3">
+                                            <p:txEl>
+                                              <p:pRg st="1" end="1"/>
+                                            </p:txEl>
+                                          </p:spTgt>
+                                        </p:tgtEl>
+                                        <p:attrNameLst>
+                                          <p:attrName>style.visibility</p:attrName>
+                                        </p:attrNameLst>
+                                      </p:cBhvr>
+                                      <p:to>
+                                        <p:strVal val="visible"/>
+                                      </p:to>
+                                    </p:set>
+                                  </p:childTnLst>
+                                </p:cTn>
+                              </p:par>
+                            </p:childTnLst>
+                          </p:cTn>
+                        </p:par>
+                      </p:childTnLst>
+                    </p:cTn>
+                  </p:par>
+                  <p:par>
+                    <p:cTn id="11" fill="hold">
+                      <p:stCondLst>
+                        <p:cond delay="indefinite"/>
+                      </p:stCondLst>
+                      <p:childTnLst>
+                        <p:par>
+                          <p:cTn id="12" fill="hold">
+                            <p:stCondLst>
+                              <p:cond delay="0"/>
+                            </p:stCondLst>
+                            <p:childTnLst>
+                              <p:par>
+                                <p:cTn id="13" presetID="1" presetClass="entr" presetSubtype="0" fill="hold" grpId="0" nodeType="clickEffect">
+                                  <p:stCondLst>
+                                    <p:cond delay="0"/>
+                                  </p:stCondLst>
+                                  <p:childTnLst>
+                                    <p:set>
+                                      <p:cBhvr>
+                                        <p:cTn id="14" dur="1" fill="hold">
+                                          <p:stCondLst>
+                                            <p:cond delay="0"/>
+                                          </p:stCondLst>
+                                        </p:cTn>
+                                        <p:tgtEl>
+                                          <p:spTgt spid="3">
+                                            <p:txEl>
+                                              <p:pRg st="2" end="2"/>
+                                            </p:txEl>
+                                          </p:spTgt>
+                                        </p:tgtEl>
+                                        <p:attrNameLst>
+                                          <p:attrName>style.visibility</p:attrName>
+                                        </p:attrNameLst>
+                                      </p:cBhvr>
+                                      <p:to>
+                                        <p:strVal val="visible"/>
+                                      </p:to>
+                                    </p:set>
+                                  </p:childTnLst>
+                                </p:cTn>
+                              </p:par>
+                            </p:childTnLst>
+                          </p:cTn>
+                        </p:par>
+                      </p:childTnLst>
+                    </p:cTn>
+                  </p:par>
+                  <p:par>
+                    <p:cTn id="15" fill="hold">
+                      <p:stCondLst>
+                        <p:cond delay="indefinite"/>
+                      </p:stCondLst>
+                      <p:childTnLst>
+                        <p:par>
+                          <p:cTn id="16" fill="hold">
+                            <p:stCondLst>
+                              <p:cond delay="0"/>
+                            </p:stCondLst>
+                            <p:childTnLst>
+                              <p:par>
+                                <p:cTn id="17" presetID="1" presetClass="entr" presetSubtype="0" fill="hold" grpId="0" nodeType="clickEffect">
+                                  <p:stCondLst>
+                                    <p:cond delay="0"/>
+                                  </p:stCondLst>
+                                  <p:childTnLst>
+                                    <p:set>
+                                      <p:cBhvr>
+                                        <p:cTn id="18" dur="1" fill="hold">
+                                          <p:stCondLst>
+                                            <p:cond delay="0"/>
+                                          </p:stCondLst>
+                                        </p:cTn>
+                                        <p:tgtEl>
+                                          <p:spTgt spid="3">
+                                            <p:txEl>
+                                              <p:pRg st="3" end="3"/>
+                                            </p:txEl>
+                                          </p:spTgt>
+                                        </p:tgtEl>
+                                        <p:attrNameLst>
+                                          <p:attrName>style.visibility</p:attrName>
+                                        </p:attrNameLst>
+                                      </p:cBhvr>
+                                      <p:to>
+                                        <p:strVal val="visible"/>
+                                      </p:to>
+                                    </p:set>
+                                  </p:childTnLst>
+                                </p:cTn>
+                              </p:par>
+                              <p:par>
+                                <p:cTn id="19" presetID="1" presetClass="entr" presetSubtype="0" fill="hold" grpId="0" nodeType="withEffect">
+                                  <p:stCondLst>
+                                    <p:cond delay="0"/>
+                                  </p:stCondLst>
+                                  <p:childTnLst>
+                                    <p:set>
+                                      <p:cBhvr>
+                                        <p:cTn id="20" dur="1" fill="hold">
+                                          <p:stCondLst>
+                                            <p:cond delay="0"/>
+                                          </p:stCondLst>
+                                        </p:cTn>
+                                        <p:tgtEl>
+                                          <p:spTgt spid="3">
+                                            <p:txEl>
+                                              <p:pRg st="4" end="4"/>
+                                            </p:txEl>
+                                          </p:spTgt>
+                                        </p:tgtEl>
+                                        <p:attrNameLst>
+                                          <p:attrName>style.visibility</p:attrName>
+                                        </p:attrNameLst>
+                                      </p:cBhvr>
+                                      <p:to>
+                                        <p:strVal val="visible"/>
+                                      </p:to>
+                                    </p:set>
+                                  </p:childTnLst>
+                                </p:cTn>
+                              </p:par>
+                              <p:par>
+                                <p:cTn id="21" presetID="1" presetClass="entr" presetSubtype="0" fill="hold" grpId="0" nodeType="withEffect">
+                                  <p:stCondLst>
+                                    <p:cond delay="0"/>
+                                  </p:stCondLst>
+                                  <p:childTnLst>
+                                    <p:set>
+                                      <p:cBhvr>
+                                        <p:cTn id="22" dur="1" fill="hold">
+                                          <p:stCondLst>
+                                            <p:cond delay="0"/>
+                                          </p:stCondLst>
+                                        </p:cTn>
+                                        <p:tgtEl>
+                                          <p:spTgt spid="3">
+                                            <p:txEl>
+                                              <p:pRg st="5" end="5"/>
+                                            </p:txEl>
+                                          </p:spTgt>
+                                        </p:tgtEl>
+                                        <p:attrNameLst>
+                                          <p:attrName>style.visibility</p:attrName>
+                                        </p:attrNameLst>
+                                      </p:cBhvr>
+                                      <p:to>
+                                        <p:strVal val="visible"/>
+                                      </p:to>
+                                    </p:set>
+                                  </p:childTnLst>
+                                </p:cTn>
+                              </p:par>
+                              <p:par>
+                                <p:cTn id="23" presetID="1" presetClass="entr" presetSubtype="0" fill="hold" grpId="0" nodeType="withEffect">
+                                  <p:stCondLst>
+                                    <p:cond delay="0"/>
+                                  </p:stCondLst>
+                                  <p:childTnLst>
+                                    <p:set>
+                                      <p:cBhvr>
+                                        <p:cTn id="24" dur="1" fill="hold">
+                                          <p:stCondLst>
+                                            <p:cond delay="0"/>
+                                          </p:stCondLst>
+                                        </p:cTn>
+                                        <p:tgtEl>
+                                          <p:spTgt spid="3">
+                                            <p:txEl>
+                                              <p:pRg st="6" end="6"/>
+                                            </p:txEl>
+                                          </p:spTgt>
+                                        </p:tgtEl>
+                                        <p:attrNameLst>
+                                          <p:attrName>style.visibility</p:attrName>
+                                        </p:attrNameLst>
+                                      </p:cBhvr>
+                                      <p:to>
+                                        <p:strVal val="visible"/>
+                                      </p:to>
+                                    </p:set>
+                                  </p:childTnLst>
+                                </p:cTn>
+                              </p:par>
+                              <p:par>
+                                <p:cTn id="25" presetID="1" presetClass="entr" presetSubtype="0" fill="hold" grpId="0" nodeType="withEffect">
+                                  <p:stCondLst>
+                                    <p:cond delay="0"/>
+                                  </p:stCondLst>
+                                  <p:childTnLst>
+                                    <p:set>
+                                      <p:cBhvr>
+                                        <p:cTn id="26" dur="1" fill="hold">
+                                          <p:stCondLst>
+                                            <p:cond delay="0"/>
+                                          </p:stCondLst>
+                                        </p:cTn>
+                                        <p:tgtEl>
+                                          <p:spTgt spid="3">
+                                            <p:txEl>
+                                              <p:pRg st="7" end="7"/>
+                                            </p:txEl>
+                                          </p:spTgt>
+                                        </p:tgtEl>
+                                        <p:attrNameLst>
+                                          <p:attrName>style.visibility</p:attrName>
+                                        </p:attrNameLst>
+                                      </p:cBhvr>
+                                      <p:to>
+                                        <p:strVal val="visible"/>
+                                      </p:to>
+                                    </p:set>
+                                  </p:childTnLst>
+                                </p:cTn>
+                              </p:par>
+                              <p:par>
+                                <p:cTn id="27" presetID="1" presetClass="entr" presetSubtype="0" fill="hold" grpId="0" nodeType="withEffect">
+                                  <p:stCondLst>
+                                    <p:cond delay="0"/>
+                                  </p:stCondLst>
+                                  <p:childTnLst>
+                                    <p:set>
+                                      <p:cBhvr>
+                                        <p:cTn id="28" dur="1" fill="hold">
+                                          <p:stCondLst>
+                                            <p:cond delay="0"/>
+                                          </p:stCondLst>
+                                        </p:cTn>
+                                        <p:tgtEl>
+                                          <p:spTgt spid="3">
+                                            <p:txEl>
+                                              <p:pRg st="8" end="8"/>
+                                            </p:txEl>
+                                          </p:spTgt>
+                                        </p:tgtEl>
+                                        <p:attrNameLst>
+                                          <p:attrName>style.visibility</p:attrName>
+                                        </p:attrNameLst>
+                                      </p:cBhvr>
+                                      <p:to>
+                                        <p:strVal val="visible"/>
+                                      </p:to>
+                                    </p:set>
+                                  </p:childTnLst>
+                                </p:cTn>
+                              </p:par>
+                              <p:par>
+                                <p:cTn id="29" presetID="1" presetClass="entr" presetSubtype="0" fill="hold" grpId="0" nodeType="withEffect">
+                                  <p:stCondLst>
+                                    <p:cond delay="0"/>
+                                  </p:stCondLst>
+                                  <p:childTnLst>
+                                    <p:set>
+                                      <p:cBhvr>
+                                        <p:cTn id="30" dur="1" fill="hold">
+                                          <p:stCondLst>
+                                            <p:cond delay="0"/>
+                                          </p:stCondLst>
+                                        </p:cTn>
+                                        <p:tgtEl>
+                                          <p:spTgt spid="3">
+                                            <p:txEl>
+                                              <p:pRg st="9" end="9"/>
+                                            </p:txEl>
+                                          </p:spTgt>
+                                        </p:tgtEl>
+                                        <p:attrNameLst>
+                                          <p:attrName>style.visibility</p:attrName>
+                                        </p:attrNameLst>
+                                      </p:cBhvr>
+                                      <p:to>
+                                        <p:strVal val="visible"/>
+                                      </p:to>
+                                    </p:set>
+                                  </p:childTnLst>
+                                </p:cTn>
+                              </p:par>
+                              <p:par>
+                                <p:cTn id="31" presetID="1" presetClass="entr" presetSubtype="0" fill="hold" grpId="0" nodeType="withEffect">
+                                  <p:stCondLst>
+                                    <p:cond delay="0"/>
+                                  </p:stCondLst>
+                                  <p:childTnLst>
+                                    <p:set>
+                                      <p:cBhvr>
+                                        <p:cTn id="32" dur="1" fill="hold">
+                                          <p:stCondLst>
+                                            <p:cond delay="0"/>
+                                          </p:stCondLst>
+                                        </p:cTn>
+                                        <p:tgtEl>
+                                          <p:spTgt spid="3">
+                                            <p:txEl>
+                                              <p:pRg st="10" end="10"/>
+                                            </p:txEl>
+                                          </p:spTgt>
+                                        </p:tgtEl>
+                                        <p:attrNameLst>
+                                          <p:attrName>style.visibility</p:attrName>
+                                        </p:attrNameLst>
+                                      </p:cBhvr>
+                                      <p:to>
+                                        <p:strVal val="visible"/>
+                                      </p:to>
+                                    </p:set>
+                                  </p:childTnLst>
+                                </p:cTn>
+                              </p:par>
+                              <p:par>
+                                <p:cTn id="33" presetID="1" presetClass="entr" presetSubtype="0" fill="hold" grpId="0" nodeType="withEffect">
+                                  <p:stCondLst>
+                                    <p:cond delay="0"/>
+                                  </p:stCondLst>
+                                  <p:childTnLst>
+                                    <p:set>
+                                      <p:cBhvr>
+                                        <p:cTn id="34" dur="1" fill="hold">
+                                          <p:stCondLst>
+                                            <p:cond delay="0"/>
+                                          </p:stCondLst>
+                                        </p:cTn>
+                                        <p:tgtEl>
+                                          <p:spTgt spid="3">
+                                            <p:txEl>
+                                              <p:pRg st="11" end="11"/>
+                                            </p:txEl>
+                                          </p:spTgt>
+                                        </p:tgtEl>
+                                        <p:attrNameLst>
+                                          <p:attrName>style.visibility</p:attrName>
+                                        </p:attrNameLst>
+                                      </p:cBhvr>
+                                      <p:to>
+                                        <p:strVal val="visible"/>
+                                      </p:to>
+                                    </p:set>
+                                  </p:childTnLst>
+                                </p:cTn>
+                              </p:par>
+                              <p:par>
+                                <p:cTn id="35" presetID="1" presetClass="entr" presetSubtype="0" fill="hold" grpId="0" nodeType="withEffect">
+                                  <p:stCondLst>
+                                    <p:cond delay="0"/>
+                                  </p:stCondLst>
+                                  <p:childTnLst>
+                                    <p:set>
+                                      <p:cBhvr>
+                                        <p:cTn id="36" dur="1" fill="hold">
+                                          <p:stCondLst>
+                                            <p:cond delay="0"/>
+                                          </p:stCondLst>
+                                        </p:cTn>
+                                        <p:tgtEl>
+                                          <p:spTgt spid="3">
+                                            <p:txEl>
+                                              <p:pRg st="12" end="12"/>
+                                            </p:txEl>
+                                          </p:spTgt>
+                                        </p:tgtEl>
+                                        <p:attrNameLst>
+                                          <p:attrName>style.visibility</p:attrName>
+                                        </p:attrNameLst>
+                                      </p:cBhvr>
+                                      <p:to>
+                                        <p:strVal val="visible"/>
+                                      </p:to>
+                                    </p:set>
+                                  </p:childTnLst>
+                                </p:cTn>
+                              </p:par>
+                            </p:childTnLst>
+                          </p:cTn>
+                        </p:par>
+                      </p:childTnLst>
+                    </p:cTn>
+                  </p:par>
+                </p:childTnLst>
+              </p:cTn>
+              <p:prevCondLst>
+                <p:cond evt="onPrev" delay="0">
+                  <p:tgtEl>
+                    <p:sldTgt/>
+                  </p:tgtEl>
+                </p:cond>
+              </p:prevCondLst>
+              <p:nextCondLst>
+                <p:cond evt="onNext" delay="0">
+                  <p:tgtEl>
+                    <p:sldTgt/>
+                  </p:tgtEl>
+                </p:cond>
+              </p:nextCondLst>
+            </p:seq>
+          </p:childTnLst>
+        </p:cTn>
       </p:par>
     </p:tnLst>
+    <p:bldLst>
+      <p:bldP spid="3" grpId="0" build="p"/>
+    </p:bldLst>
   </p:timing>
 </p:sld>
 </file>
@@ -6558,10 +7222,16 @@
         </p:nvSpPr>
         <p:spPr/>
         <p:txBody>
-          <a:bodyPr/>
+          <a:bodyPr>
+            <a:normAutofit/>
+          </a:bodyPr>
           <a:lstStyle/>
           <a:p>
-            <a:endParaRPr lang="en-US"/>
+            <a:r>
+              <a:rPr lang="en-US" sz="4800" b="1" dirty="0" smtClean="0"/>
+              <a:t>Contd..</a:t>
+            </a:r>
+            <a:endParaRPr lang="en-US" sz="4800" b="1" dirty="0"/>
           </a:p>
         </p:txBody>
       </p:sp>
@@ -6580,14 +7250,57 @@
           <a:bodyPr/>
           <a:lstStyle/>
           <a:p>
-            <a:endParaRPr lang="en-US"/>
+            <a:r>
+              <a:rPr lang="en-US" dirty="0" smtClean="0"/>
+              <a:t>Twitter data statistics</a:t>
+            </a:r>
+          </a:p>
+          <a:p>
+            <a:pPr lvl="1"/>
+            <a:r>
+              <a:rPr lang="en-US" dirty="0" smtClean="0"/>
+              <a:t>Number of tweets analyzed</a:t>
+            </a:r>
+          </a:p>
+          <a:p>
+            <a:pPr lvl="1"/>
+            <a:r>
+              <a:rPr lang="en-US" dirty="0" smtClean="0"/>
+              <a:t>Number of positive tweets &amp; negative tweets</a:t>
+            </a:r>
+          </a:p>
+          <a:p>
+            <a:pPr lvl="1"/>
+            <a:r>
+              <a:rPr lang="en-US" dirty="0" smtClean="0"/>
+              <a:t>Date range of the tweets analyzed etc.</a:t>
+            </a:r>
+          </a:p>
+          <a:p>
+            <a:r>
+              <a:rPr lang="en-US" dirty="0" smtClean="0"/>
+              <a:t>Multiple visualizations will be created with options to choose from.</a:t>
+            </a:r>
+          </a:p>
+          <a:p>
+            <a:pPr marL="0" indent="0">
+              <a:buNone/>
+            </a:pPr>
+            <a:endParaRPr lang="en-US" dirty="0" smtClean="0"/>
+          </a:p>
+          <a:p>
+            <a:endParaRPr lang="en-US" dirty="0" smtClean="0"/>
+          </a:p>
+          <a:p>
+            <a:pPr lvl="1"/>
+            <a:endParaRPr lang="en-US" dirty="0"/>
           </a:p>
         </p:txBody>
       </p:sp>
     </p:spTree>
     <p:extLst>
       <p:ext uri="{BB962C8B-B14F-4D97-AF65-F5344CB8AC3E}">
-        <p14:creationId xmlns:p14="http://schemas.microsoft.com/office/powerpoint/2010/main" val="2806223286"/>
+        <p14:creationId xmlns:p14="http://schemas.microsoft.com/office/powerpoint/2010/main" val="3275557471"/>
       </p:ext>
     </p:extLst>
   </p:cSld>
@@ -6597,9 +7310,226 @@
   <p:timing>
     <p:tnLst>
       <p:par>
-        <p:cTn xmlns:p14="http://schemas.microsoft.com/office/powerpoint/2010/main" id="1" dur="indefinite" restart="never" nodeType="tmRoot"/>
+        <p:cTn xmlns:p14="http://schemas.microsoft.com/office/powerpoint/2010/main" id="1" dur="indefinite" restart="never" nodeType="tmRoot">
+          <p:childTnLst>
+            <p:seq concurrent="1" nextAc="seek">
+              <p:cTn id="2" dur="indefinite" nodeType="mainSeq">
+                <p:childTnLst>
+                  <p:par>
+                    <p:cTn id="3" fill="hold">
+                      <p:stCondLst>
+                        <p:cond delay="indefinite"/>
+                      </p:stCondLst>
+                      <p:childTnLst>
+                        <p:par>
+                          <p:cTn id="4" fill="hold">
+                            <p:stCondLst>
+                              <p:cond delay="0"/>
+                            </p:stCondLst>
+                            <p:childTnLst>
+                              <p:par>
+                                <p:cTn id="5" presetID="1" presetClass="entr" presetSubtype="0" fill="hold" grpId="0" nodeType="clickEffect">
+                                  <p:stCondLst>
+                                    <p:cond delay="0"/>
+                                  </p:stCondLst>
+                                  <p:childTnLst>
+                                    <p:set>
+                                      <p:cBhvr>
+                                        <p:cTn id="6" dur="1" fill="hold">
+                                          <p:stCondLst>
+                                            <p:cond delay="0"/>
+                                          </p:stCondLst>
+                                        </p:cTn>
+                                        <p:tgtEl>
+                                          <p:spTgt spid="3">
+                                            <p:txEl>
+                                              <p:pRg st="0" end="0"/>
+                                            </p:txEl>
+                                          </p:spTgt>
+                                        </p:tgtEl>
+                                        <p:attrNameLst>
+                                          <p:attrName>style.visibility</p:attrName>
+                                        </p:attrNameLst>
+                                      </p:cBhvr>
+                                      <p:to>
+                                        <p:strVal val="visible"/>
+                                      </p:to>
+                                    </p:set>
+                                  </p:childTnLst>
+                                </p:cTn>
+                              </p:par>
+                              <p:par>
+                                <p:cTn id="7" presetID="1" presetClass="entr" presetSubtype="0" fill="hold" grpId="0" nodeType="withEffect">
+                                  <p:stCondLst>
+                                    <p:cond delay="0"/>
+                                  </p:stCondLst>
+                                  <p:childTnLst>
+                                    <p:set>
+                                      <p:cBhvr>
+                                        <p:cTn id="8" dur="1" fill="hold">
+                                          <p:stCondLst>
+                                            <p:cond delay="0"/>
+                                          </p:stCondLst>
+                                        </p:cTn>
+                                        <p:tgtEl>
+                                          <p:spTgt spid="3">
+                                            <p:txEl>
+                                              <p:pRg st="1" end="1"/>
+                                            </p:txEl>
+                                          </p:spTgt>
+                                        </p:tgtEl>
+                                        <p:attrNameLst>
+                                          <p:attrName>style.visibility</p:attrName>
+                                        </p:attrNameLst>
+                                      </p:cBhvr>
+                                      <p:to>
+                                        <p:strVal val="visible"/>
+                                      </p:to>
+                                    </p:set>
+                                  </p:childTnLst>
+                                </p:cTn>
+                              </p:par>
+                              <p:par>
+                                <p:cTn id="9" presetID="1" presetClass="entr" presetSubtype="0" fill="hold" grpId="0" nodeType="withEffect">
+                                  <p:stCondLst>
+                                    <p:cond delay="0"/>
+                                  </p:stCondLst>
+                                  <p:childTnLst>
+                                    <p:set>
+                                      <p:cBhvr>
+                                        <p:cTn id="10" dur="1" fill="hold">
+                                          <p:stCondLst>
+                                            <p:cond delay="0"/>
+                                          </p:stCondLst>
+                                        </p:cTn>
+                                        <p:tgtEl>
+                                          <p:spTgt spid="3">
+                                            <p:txEl>
+                                              <p:pRg st="2" end="2"/>
+                                            </p:txEl>
+                                          </p:spTgt>
+                                        </p:tgtEl>
+                                        <p:attrNameLst>
+                                          <p:attrName>style.visibility</p:attrName>
+                                        </p:attrNameLst>
+                                      </p:cBhvr>
+                                      <p:to>
+                                        <p:strVal val="visible"/>
+                                      </p:to>
+                                    </p:set>
+                                  </p:childTnLst>
+                                </p:cTn>
+                              </p:par>
+                              <p:par>
+                                <p:cTn id="11" presetID="1" presetClass="entr" presetSubtype="0" fill="hold" grpId="0" nodeType="withEffect">
+                                  <p:stCondLst>
+                                    <p:cond delay="0"/>
+                                  </p:stCondLst>
+                                  <p:childTnLst>
+                                    <p:set>
+                                      <p:cBhvr>
+                                        <p:cTn id="12" dur="1" fill="hold">
+                                          <p:stCondLst>
+                                            <p:cond delay="0"/>
+                                          </p:stCondLst>
+                                        </p:cTn>
+                                        <p:tgtEl>
+                                          <p:spTgt spid="3">
+                                            <p:txEl>
+                                              <p:pRg st="3" end="3"/>
+                                            </p:txEl>
+                                          </p:spTgt>
+                                        </p:tgtEl>
+                                        <p:attrNameLst>
+                                          <p:attrName>style.visibility</p:attrName>
+                                        </p:attrNameLst>
+                                      </p:cBhvr>
+                                      <p:to>
+                                        <p:strVal val="visible"/>
+                                      </p:to>
+                                    </p:set>
+                                  </p:childTnLst>
+                                </p:cTn>
+                              </p:par>
+                            </p:childTnLst>
+                          </p:cTn>
+                        </p:par>
+                      </p:childTnLst>
+                    </p:cTn>
+                  </p:par>
+                  <p:par>
+                    <p:cTn id="13" fill="hold">
+                      <p:stCondLst>
+                        <p:cond delay="indefinite"/>
+                      </p:stCondLst>
+                      <p:childTnLst>
+                        <p:par>
+                          <p:cTn id="14" fill="hold">
+                            <p:stCondLst>
+                              <p:cond delay="0"/>
+                            </p:stCondLst>
+                            <p:childTnLst>
+                              <p:par>
+                                <p:cTn id="15" presetID="1" presetClass="entr" presetSubtype="0" fill="hold" grpId="0" nodeType="clickEffect">
+                                  <p:stCondLst>
+                                    <p:cond delay="0"/>
+                                  </p:stCondLst>
+                                  <p:childTnLst>
+                                    <p:set>
+                                      <p:cBhvr>
+                                        <p:cTn id="16" dur="1" fill="hold">
+                                          <p:stCondLst>
+                                            <p:cond delay="0"/>
+                                          </p:stCondLst>
+                                        </p:cTn>
+                                        <p:tgtEl>
+                                          <p:spTgt spid="3">
+                                            <p:txEl>
+                                              <p:pRg st="4" end="4"/>
+                                            </p:txEl>
+                                          </p:spTgt>
+                                        </p:tgtEl>
+                                        <p:attrNameLst>
+                                          <p:attrName>style.visibility</p:attrName>
+                                        </p:attrNameLst>
+                                      </p:cBhvr>
+                                      <p:to>
+                                        <p:strVal val="visible"/>
+                                      </p:to>
+                                    </p:set>
+                                  </p:childTnLst>
+                                </p:cTn>
+                              </p:par>
+                            </p:childTnLst>
+                          </p:cTn>
+                        </p:par>
+                      </p:childTnLst>
+                    </p:cTn>
+                  </p:par>
+                </p:childTnLst>
+              </p:cTn>
+              <p:prevCondLst>
+                <p:cond evt="onPrev" delay="0">
+                  <p:tgtEl>
+                    <p:sldTgt/>
+                  </p:tgtEl>
+                </p:cond>
+              </p:prevCondLst>
+              <p:nextCondLst>
+                <p:cond evt="onNext" delay="0">
+                  <p:tgtEl>
+                    <p:sldTgt/>
+                  </p:tgtEl>
+                </p:cond>
+              </p:nextCondLst>
+            </p:seq>
+          </p:childTnLst>
+        </p:cTn>
       </p:par>
     </p:tnLst>
+    <p:bldLst>
+      <p:bldP spid="3" grpId="0" build="p"/>
+    </p:bldLst>
   </p:timing>
 </p:sld>
 </file>
@@ -6636,7 +7566,11 @@
           <a:bodyPr/>
           <a:lstStyle/>
           <a:p>
-            <a:endParaRPr lang="en-US"/>
+            <a:r>
+              <a:rPr lang="en-US" sz="4800" b="1" dirty="0" smtClean="0"/>
+              <a:t>Challenges</a:t>
+            </a:r>
+            <a:endParaRPr lang="en-US" sz="4800" b="1" dirty="0"/>
           </a:p>
         </p:txBody>
       </p:sp>
@@ -6652,23 +7586,261 @@
         </p:nvSpPr>
         <p:spPr/>
         <p:txBody>
-          <a:bodyPr/>
+          <a:bodyPr>
+            <a:normAutofit/>
+          </a:bodyPr>
           <a:lstStyle/>
           <a:p>
-            <a:endParaRPr lang="en-US"/>
+            <a:r>
+              <a:rPr lang="en-US" sz="3600" dirty="0" smtClean="0"/>
+              <a:t>Live application – twitter streaming API provides data at low speed</a:t>
+            </a:r>
+          </a:p>
+          <a:p>
+            <a:r>
+              <a:rPr lang="en-US" sz="3600" dirty="0" smtClean="0"/>
+              <a:t>Tweets will be downloaded in-advance and stored locally</a:t>
+            </a:r>
+          </a:p>
+          <a:p>
+            <a:r>
+              <a:rPr lang="en-US" sz="3600" dirty="0" smtClean="0"/>
+              <a:t>Accuracy of classification </a:t>
+            </a:r>
+            <a:r>
+              <a:rPr lang="en-US" sz="3600" smtClean="0"/>
+              <a:t>of tweets</a:t>
+            </a:r>
+            <a:endParaRPr lang="en-US" sz="3600" dirty="0" smtClean="0"/>
           </a:p>
         </p:txBody>
       </p:sp>
     </p:spTree>
     <p:extLst>
       <p:ext uri="{BB962C8B-B14F-4D97-AF65-F5344CB8AC3E}">
-        <p14:creationId xmlns:p14="http://schemas.microsoft.com/office/powerpoint/2010/main" val="531623694"/>
+        <p14:creationId xmlns:p14="http://schemas.microsoft.com/office/powerpoint/2010/main" val="2806223286"/>
       </p:ext>
     </p:extLst>
   </p:cSld>
   <p:clrMapOvr>
     <a:masterClrMapping/>
   </p:clrMapOvr>
+  <p:timing>
+    <p:tnLst>
+      <p:par>
+        <p:cTn xmlns:p14="http://schemas.microsoft.com/office/powerpoint/2010/main" id="1" dur="indefinite" restart="never" nodeType="tmRoot">
+          <p:childTnLst>
+            <p:seq concurrent="1" nextAc="seek">
+              <p:cTn id="2" dur="indefinite" nodeType="mainSeq">
+                <p:childTnLst>
+                  <p:par>
+                    <p:cTn id="3" fill="hold">
+                      <p:stCondLst>
+                        <p:cond delay="indefinite"/>
+                      </p:stCondLst>
+                      <p:childTnLst>
+                        <p:par>
+                          <p:cTn id="4" fill="hold">
+                            <p:stCondLst>
+                              <p:cond delay="0"/>
+                            </p:stCondLst>
+                            <p:childTnLst>
+                              <p:par>
+                                <p:cTn id="5" presetID="3" presetClass="entr" presetSubtype="10" fill="hold" grpId="0" nodeType="clickEffect">
+                                  <p:stCondLst>
+                                    <p:cond delay="0"/>
+                                  </p:stCondLst>
+                                  <p:childTnLst>
+                                    <p:set>
+                                      <p:cBhvr>
+                                        <p:cTn id="6" dur="1" fill="hold">
+                                          <p:stCondLst>
+                                            <p:cond delay="0"/>
+                                          </p:stCondLst>
+                                        </p:cTn>
+                                        <p:tgtEl>
+                                          <p:spTgt spid="3">
+                                            <p:txEl>
+                                              <p:pRg st="0" end="0"/>
+                                            </p:txEl>
+                                          </p:spTgt>
+                                        </p:tgtEl>
+                                        <p:attrNameLst>
+                                          <p:attrName>style.visibility</p:attrName>
+                                        </p:attrNameLst>
+                                      </p:cBhvr>
+                                      <p:to>
+                                        <p:strVal val="visible"/>
+                                      </p:to>
+                                    </p:set>
+                                    <p:animEffect transition="in" filter="blinds(horizontal)">
+                                      <p:cBhvr>
+                                        <p:cTn id="7" dur="500"/>
+                                        <p:tgtEl>
+                                          <p:spTgt spid="3">
+                                            <p:txEl>
+                                              <p:pRg st="0" end="0"/>
+                                            </p:txEl>
+                                          </p:spTgt>
+                                        </p:tgtEl>
+                                      </p:cBhvr>
+                                    </p:animEffect>
+                                  </p:childTnLst>
+                                </p:cTn>
+                              </p:par>
+                            </p:childTnLst>
+                          </p:cTn>
+                        </p:par>
+                      </p:childTnLst>
+                    </p:cTn>
+                  </p:par>
+                  <p:par>
+                    <p:cTn id="8" fill="hold">
+                      <p:stCondLst>
+                        <p:cond delay="indefinite"/>
+                      </p:stCondLst>
+                      <p:childTnLst>
+                        <p:par>
+                          <p:cTn id="9" fill="hold">
+                            <p:stCondLst>
+                              <p:cond delay="0"/>
+                            </p:stCondLst>
+                            <p:childTnLst>
+                              <p:par>
+                                <p:cTn id="10" presetID="3" presetClass="entr" presetSubtype="10" fill="hold" grpId="0" nodeType="clickEffect">
+                                  <p:stCondLst>
+                                    <p:cond delay="0"/>
+                                  </p:stCondLst>
+                                  <p:childTnLst>
+                                    <p:set>
+                                      <p:cBhvr>
+                                        <p:cTn id="11" dur="1" fill="hold">
+                                          <p:stCondLst>
+                                            <p:cond delay="0"/>
+                                          </p:stCondLst>
+                                        </p:cTn>
+                                        <p:tgtEl>
+                                          <p:spTgt spid="3">
+                                            <p:txEl>
+                                              <p:pRg st="1" end="1"/>
+                                            </p:txEl>
+                                          </p:spTgt>
+                                        </p:tgtEl>
+                                        <p:attrNameLst>
+                                          <p:attrName>style.visibility</p:attrName>
+                                        </p:attrNameLst>
+                                      </p:cBhvr>
+                                      <p:to>
+                                        <p:strVal val="visible"/>
+                                      </p:to>
+                                    </p:set>
+                                    <p:animEffect transition="in" filter="blinds(horizontal)">
+                                      <p:cBhvr>
+                                        <p:cTn id="12" dur="500"/>
+                                        <p:tgtEl>
+                                          <p:spTgt spid="3">
+                                            <p:txEl>
+                                              <p:pRg st="1" end="1"/>
+                                            </p:txEl>
+                                          </p:spTgt>
+                                        </p:tgtEl>
+                                      </p:cBhvr>
+                                    </p:animEffect>
+                                  </p:childTnLst>
+                                </p:cTn>
+                              </p:par>
+                            </p:childTnLst>
+                          </p:cTn>
+                        </p:par>
+                      </p:childTnLst>
+                    </p:cTn>
+                  </p:par>
+                  <p:par>
+                    <p:cTn id="13" fill="hold">
+                      <p:stCondLst>
+                        <p:cond delay="indefinite"/>
+                      </p:stCondLst>
+                      <p:childTnLst>
+                        <p:par>
+                          <p:cTn id="14" fill="hold">
+                            <p:stCondLst>
+                              <p:cond delay="0"/>
+                            </p:stCondLst>
+                            <p:childTnLst>
+                              <p:par>
+                                <p:cTn id="15" presetID="3" presetClass="entr" presetSubtype="10" fill="hold" grpId="0" nodeType="clickEffect">
+                                  <p:stCondLst>
+                                    <p:cond delay="0"/>
+                                  </p:stCondLst>
+                                  <p:childTnLst>
+                                    <p:set>
+                                      <p:cBhvr>
+                                        <p:cTn id="16" dur="1" fill="hold">
+                                          <p:stCondLst>
+                                            <p:cond delay="0"/>
+                                          </p:stCondLst>
+                                        </p:cTn>
+                                        <p:tgtEl>
+                                          <p:spTgt spid="3">
+                                            <p:txEl>
+                                              <p:pRg st="2" end="2"/>
+                                            </p:txEl>
+                                          </p:spTgt>
+                                        </p:tgtEl>
+                                        <p:attrNameLst>
+                                          <p:attrName>style.visibility</p:attrName>
+                                        </p:attrNameLst>
+                                      </p:cBhvr>
+                                      <p:to>
+                                        <p:strVal val="visible"/>
+                                      </p:to>
+                                    </p:set>
+                                    <p:animEffect transition="in" filter="blinds(horizontal)">
+                                      <p:cBhvr>
+                                        <p:cTn id="17" dur="500"/>
+                                        <p:tgtEl>
+                                          <p:spTgt spid="3">
+                                            <p:txEl>
+                                              <p:pRg st="2" end="2"/>
+                                            </p:txEl>
+                                          </p:spTgt>
+                                        </p:tgtEl>
+                                      </p:cBhvr>
+                                    </p:animEffect>
+                                  </p:childTnLst>
+                                </p:cTn>
+                              </p:par>
+                            </p:childTnLst>
+                          </p:cTn>
+                        </p:par>
+                      </p:childTnLst>
+                    </p:cTn>
+                  </p:par>
+                </p:childTnLst>
+              </p:cTn>
+              <p:prevCondLst>
+                <p:cond evt="onPrev" delay="0">
+                  <p:tgtEl>
+                    <p:sldTgt/>
+                  </p:tgtEl>
+                </p:cond>
+              </p:prevCondLst>
+              <p:nextCondLst>
+                <p:cond evt="onNext" delay="0">
+                  <p:tgtEl>
+                    <p:sldTgt/>
+                  </p:tgtEl>
+                </p:cond>
+              </p:nextCondLst>
+            </p:seq>
+          </p:childTnLst>
+        </p:cTn>
+      </p:par>
+    </p:tnLst>
+    <p:bldLst>
+      <p:bldP spid="3" grpId="0" build="p"/>
+    </p:bldLst>
+  </p:timing>
 </p:sld>
 </file>
 
@@ -6699,44 +7871,110 @@
             <p:ph type="title"/>
           </p:nvPr>
         </p:nvSpPr>
-        <p:spPr/>
-        <p:txBody>
-          <a:bodyPr/>
+        <p:spPr>
+          <a:xfrm>
+            <a:off x="457200" y="2537634"/>
+            <a:ext cx="8229600" cy="990600"/>
+          </a:xfrm>
+        </p:spPr>
+        <p:txBody>
+          <a:bodyPr>
+            <a:normAutofit/>
+          </a:bodyPr>
           <a:lstStyle/>
           <a:p>
-            <a:endParaRPr lang="en-US"/>
-          </a:p>
-        </p:txBody>
-      </p:sp>
-      <p:sp>
-        <p:nvSpPr>
-          <p:cNvPr id="3" name="Content Placeholder 2"/>
-          <p:cNvSpPr>
-            <a:spLocks noGrp="1"/>
-          </p:cNvSpPr>
-          <p:nvPr>
-            <p:ph idx="1"/>
-          </p:nvPr>
-        </p:nvSpPr>
-        <p:spPr/>
-        <p:txBody>
-          <a:bodyPr/>
-          <a:lstStyle/>
-          <a:p>
-            <a:endParaRPr lang="en-US"/>
+            <a:pPr algn="ctr"/>
+            <a:r>
+              <a:rPr lang="en-US" sz="5400" b="1" spc="0" dirty="0" smtClean="0">
+                <a:ln w="1905"/>
+                <a:gradFill>
+                  <a:gsLst>
+                    <a:gs pos="0">
+                      <a:schemeClr val="accent6">
+                        <a:shade val="20000"/>
+                        <a:satMod val="200000"/>
+                      </a:schemeClr>
+                    </a:gs>
+                    <a:gs pos="78000">
+                      <a:schemeClr val="accent6">
+                        <a:tint val="90000"/>
+                        <a:shade val="89000"/>
+                        <a:satMod val="220000"/>
+                      </a:schemeClr>
+                    </a:gs>
+                    <a:gs pos="100000">
+                      <a:schemeClr val="accent6">
+                        <a:tint val="12000"/>
+                        <a:satMod val="255000"/>
+                      </a:schemeClr>
+                    </a:gs>
+                  </a:gsLst>
+                  <a:lin ang="5400000"/>
+                </a:gradFill>
+                <a:effectLst>
+                  <a:innerShdw blurRad="69850" dist="43180" dir="5400000">
+                    <a:srgbClr val="000000">
+                      <a:alpha val="65000"/>
+                    </a:srgbClr>
+                  </a:innerShdw>
+                </a:effectLst>
+              </a:rPr>
+              <a:t>Thank You</a:t>
+            </a:r>
+            <a:endParaRPr lang="en-US" sz="5400" b="1" spc="0" dirty="0">
+              <a:ln w="1905"/>
+              <a:gradFill>
+                <a:gsLst>
+                  <a:gs pos="0">
+                    <a:schemeClr val="accent6">
+                      <a:shade val="20000"/>
+                      <a:satMod val="200000"/>
+                    </a:schemeClr>
+                  </a:gs>
+                  <a:gs pos="78000">
+                    <a:schemeClr val="accent6">
+                      <a:tint val="90000"/>
+                      <a:shade val="89000"/>
+                      <a:satMod val="220000"/>
+                    </a:schemeClr>
+                  </a:gs>
+                  <a:gs pos="100000">
+                    <a:schemeClr val="accent6">
+                      <a:tint val="12000"/>
+                      <a:satMod val="255000"/>
+                    </a:schemeClr>
+                  </a:gs>
+                </a:gsLst>
+                <a:lin ang="5400000"/>
+              </a:gradFill>
+              <a:effectLst>
+                <a:innerShdw blurRad="69850" dist="43180" dir="5400000">
+                  <a:srgbClr val="000000">
+                    <a:alpha val="65000"/>
+                  </a:srgbClr>
+                </a:innerShdw>
+              </a:effectLst>
+            </a:endParaRPr>
           </a:p>
         </p:txBody>
       </p:sp>
     </p:spTree>
     <p:extLst>
       <p:ext uri="{BB962C8B-B14F-4D97-AF65-F5344CB8AC3E}">
-        <p14:creationId xmlns:p14="http://schemas.microsoft.com/office/powerpoint/2010/main" val="795033042"/>
+        <p14:creationId xmlns:p14="http://schemas.microsoft.com/office/powerpoint/2010/main" val="3300258447"/>
       </p:ext>
     </p:extLst>
   </p:cSld>
   <p:clrMapOvr>
     <a:masterClrMapping/>
   </p:clrMapOvr>
+  <p:timing>
+    <p:tnLst>
+      <p:par>
+        <p:cTn xmlns:p14="http://schemas.microsoft.com/office/powerpoint/2010/main" id="1" dur="indefinite" restart="never" nodeType="tmRoot"/>
+      </p:par>
+    </p:tnLst>
+  </p:timing>
 </p:sld>
 </file>
 
